--- a/oslab_report/oslab2.pptx
+++ b/oslab_report/oslab2.pptx
@@ -5,7 +5,7 @@
     <p:sldMasterId id="2147483648" r:id="rId1"/>
   </p:sldMasterIdLst>
   <p:notesMasterIdLst>
-    <p:notesMasterId r:id="rId14"/>
+    <p:notesMasterId r:id="rId17"/>
   </p:notesMasterIdLst>
   <p:sldIdLst>
     <p:sldId id="277" r:id="rId2"/>
@@ -17,9 +17,12 @@
     <p:sldId id="293" r:id="rId8"/>
     <p:sldId id="296" r:id="rId9"/>
     <p:sldId id="294" r:id="rId10"/>
-    <p:sldId id="287" r:id="rId11"/>
-    <p:sldId id="292" r:id="rId12"/>
-    <p:sldId id="278" r:id="rId13"/>
+    <p:sldId id="299" r:id="rId11"/>
+    <p:sldId id="300" r:id="rId12"/>
+    <p:sldId id="287" r:id="rId13"/>
+    <p:sldId id="298" r:id="rId14"/>
+    <p:sldId id="292" r:id="rId15"/>
+    <p:sldId id="278" r:id="rId16"/>
   </p:sldIdLst>
   <p:sldSz cx="12192000" cy="6858000"/>
   <p:notesSz cx="6858000" cy="9144000"/>
@@ -220,7 +223,7 @@
             <a:fld id="{A74BBF06-C0F1-4EEA-9161-94E5AE50D86A}" type="datetimeFigureOut">
               <a:rPr lang="zh-CN" altLang="en-US" smtClean="0"/>
               <a:pPr/>
-              <a:t>16/12/27</a:t>
+              <a:t>2017/1/5 Thursday</a:t>
             </a:fld>
             <a:endParaRPr lang="zh-CN" altLang="en-US"/>
           </a:p>
@@ -574,6 +577,91 @@
 </p:notes>
 </file>
 
+<file path=ppt/notesSlides/notesSlide10.xml><?xml version="1.0" encoding="utf-8"?>
+<p:notes xmlns:a="http://schemas.openxmlformats.org/drawingml/2006/main" xmlns:r="http://schemas.openxmlformats.org/officeDocument/2006/relationships" xmlns:p="http://schemas.openxmlformats.org/presentationml/2006/main">
+  <p:cSld>
+    <p:spTree>
+      <p:nvGrpSpPr>
+        <p:cNvPr id="1" name=""/>
+        <p:cNvGrpSpPr/>
+        <p:nvPr/>
+      </p:nvGrpSpPr>
+      <p:grpSpPr>
+        <a:xfrm>
+          <a:off x="0" y="0"/>
+          <a:ext cx="0" cy="0"/>
+          <a:chOff x="0" y="0"/>
+          <a:chExt cx="0" cy="0"/>
+        </a:xfrm>
+      </p:grpSpPr>
+      <p:sp>
+        <p:nvSpPr>
+          <p:cNvPr id="2" name="幻灯片图像占位符 1"/>
+          <p:cNvSpPr>
+            <a:spLocks noGrp="1" noRot="1" noChangeAspect="1"/>
+          </p:cNvSpPr>
+          <p:nvPr>
+            <p:ph type="sldImg"/>
+          </p:nvPr>
+        </p:nvSpPr>
+        <p:spPr/>
+      </p:sp>
+      <p:sp>
+        <p:nvSpPr>
+          <p:cNvPr id="3" name="备注占位符 2"/>
+          <p:cNvSpPr>
+            <a:spLocks noGrp="1"/>
+          </p:cNvSpPr>
+          <p:nvPr>
+            <p:ph type="body" idx="1"/>
+          </p:nvPr>
+        </p:nvSpPr>
+        <p:spPr/>
+        <p:txBody>
+          <a:bodyPr/>
+          <a:lstStyle/>
+          <a:p>
+            <a:endParaRPr lang="zh-CN" altLang="en-US"/>
+          </a:p>
+        </p:txBody>
+      </p:sp>
+      <p:sp>
+        <p:nvSpPr>
+          <p:cNvPr id="4" name="灯片编号占位符 3"/>
+          <p:cNvSpPr>
+            <a:spLocks noGrp="1"/>
+          </p:cNvSpPr>
+          <p:nvPr>
+            <p:ph type="sldNum" sz="quarter" idx="10"/>
+          </p:nvPr>
+        </p:nvSpPr>
+        <p:spPr/>
+        <p:txBody>
+          <a:bodyPr/>
+          <a:lstStyle/>
+          <a:p>
+            <a:fld id="{0C1358CC-A703-4029-B39F-0A33770C7D58}" type="slidenum">
+              <a:rPr lang="zh-CN" altLang="en-US" smtClean="0"/>
+              <a:pPr/>
+              <a:t>14</a:t>
+            </a:fld>
+            <a:endParaRPr lang="zh-CN" altLang="en-US"/>
+          </a:p>
+        </p:txBody>
+      </p:sp>
+    </p:spTree>
+    <p:extLst>
+      <p:ext uri="{BB962C8B-B14F-4D97-AF65-F5344CB8AC3E}">
+        <p14:creationId xmlns:p14="http://schemas.microsoft.com/office/powerpoint/2010/main" val="1860985024"/>
+      </p:ext>
+    </p:extLst>
+  </p:cSld>
+  <p:clrMapOvr>
+    <a:masterClrMapping/>
+  </p:clrMapOvr>
+</p:notes>
+</file>
+
 <file path=ppt/notesSlides/notesSlide2.xml><?xml version="1.0" encoding="utf-8"?>
 <p:notes xmlns:a="http://schemas.openxmlformats.org/drawingml/2006/main" xmlns:r="http://schemas.openxmlformats.org/officeDocument/2006/relationships" xmlns:p="http://schemas.openxmlformats.org/presentationml/2006/main">
   <p:cSld>
@@ -703,6 +791,91 @@
           <a:bodyPr/>
           <a:lstStyle/>
           <a:p>
+            <a:endParaRPr kumimoji="1" lang="zh-CN" altLang="en-US" dirty="0"/>
+          </a:p>
+        </p:txBody>
+      </p:sp>
+      <p:sp>
+        <p:nvSpPr>
+          <p:cNvPr id="4" name="幻灯片编号占位符 3"/>
+          <p:cNvSpPr>
+            <a:spLocks noGrp="1"/>
+          </p:cNvSpPr>
+          <p:nvPr>
+            <p:ph type="sldNum" sz="quarter" idx="10"/>
+          </p:nvPr>
+        </p:nvSpPr>
+        <p:spPr/>
+        <p:txBody>
+          <a:bodyPr/>
+          <a:lstStyle/>
+          <a:p>
+            <a:fld id="{0C1358CC-A703-4029-B39F-0A33770C7D58}" type="slidenum">
+              <a:rPr lang="zh-CN" altLang="en-US" smtClean="0"/>
+              <a:pPr/>
+              <a:t>3</a:t>
+            </a:fld>
+            <a:endParaRPr lang="zh-CN" altLang="en-US"/>
+          </a:p>
+        </p:txBody>
+      </p:sp>
+    </p:spTree>
+    <p:extLst>
+      <p:ext uri="{BB962C8B-B14F-4D97-AF65-F5344CB8AC3E}">
+        <p14:creationId xmlns:p14="http://schemas.microsoft.com/office/powerpoint/2010/main" val="786665724"/>
+      </p:ext>
+    </p:extLst>
+  </p:cSld>
+  <p:clrMapOvr>
+    <a:masterClrMapping/>
+  </p:clrMapOvr>
+</p:notes>
+</file>
+
+<file path=ppt/notesSlides/notesSlide4.xml><?xml version="1.0" encoding="utf-8"?>
+<p:notes xmlns:a="http://schemas.openxmlformats.org/drawingml/2006/main" xmlns:r="http://schemas.openxmlformats.org/officeDocument/2006/relationships" xmlns:p="http://schemas.openxmlformats.org/presentationml/2006/main">
+  <p:cSld>
+    <p:spTree>
+      <p:nvGrpSpPr>
+        <p:cNvPr id="1" name=""/>
+        <p:cNvGrpSpPr/>
+        <p:nvPr/>
+      </p:nvGrpSpPr>
+      <p:grpSpPr>
+        <a:xfrm>
+          <a:off x="0" y="0"/>
+          <a:ext cx="0" cy="0"/>
+          <a:chOff x="0" y="0"/>
+          <a:chExt cx="0" cy="0"/>
+        </a:xfrm>
+      </p:grpSpPr>
+      <p:sp>
+        <p:nvSpPr>
+          <p:cNvPr id="2" name="幻灯片图像占位符 1"/>
+          <p:cNvSpPr>
+            <a:spLocks noGrp="1" noRot="1" noChangeAspect="1"/>
+          </p:cNvSpPr>
+          <p:nvPr>
+            <p:ph type="sldImg"/>
+          </p:nvPr>
+        </p:nvSpPr>
+        <p:spPr/>
+      </p:sp>
+      <p:sp>
+        <p:nvSpPr>
+          <p:cNvPr id="3" name="备注占位符 2"/>
+          <p:cNvSpPr>
+            <a:spLocks noGrp="1"/>
+          </p:cNvSpPr>
+          <p:nvPr>
+            <p:ph type="body" idx="1"/>
+          </p:nvPr>
+        </p:nvSpPr>
+        <p:spPr/>
+        <p:txBody>
+          <a:bodyPr/>
+          <a:lstStyle/>
+          <a:p>
             <a:endParaRPr lang="zh-CN" altLang="en-US"/>
           </a:p>
         </p:txBody>
@@ -744,7 +917,7 @@
 </p:notes>
 </file>
 
-<file path=ppt/notesSlides/notesSlide4.xml><?xml version="1.0" encoding="utf-8"?>
+<file path=ppt/notesSlides/notesSlide5.xml><?xml version="1.0" encoding="utf-8"?>
 <p:notes xmlns:a="http://schemas.openxmlformats.org/drawingml/2006/main" xmlns:r="http://schemas.openxmlformats.org/officeDocument/2006/relationships" xmlns:p="http://schemas.openxmlformats.org/presentationml/2006/main">
   <p:cSld>
     <p:spTree>
@@ -829,7 +1002,7 @@
 </p:notes>
 </file>
 
-<file path=ppt/notesSlides/notesSlide5.xml><?xml version="1.0" encoding="utf-8"?>
+<file path=ppt/notesSlides/notesSlide6.xml><?xml version="1.0" encoding="utf-8"?>
 <p:notes xmlns:a="http://schemas.openxmlformats.org/drawingml/2006/main" xmlns:r="http://schemas.openxmlformats.org/officeDocument/2006/relationships" xmlns:p="http://schemas.openxmlformats.org/presentationml/2006/main">
   <p:cSld>
     <p:spTree>
@@ -914,7 +1087,7 @@
 </p:notes>
 </file>
 
-<file path=ppt/notesSlides/notesSlide6.xml><?xml version="1.0" encoding="utf-8"?>
+<file path=ppt/notesSlides/notesSlide7.xml><?xml version="1.0" encoding="utf-8"?>
 <p:notes xmlns:a="http://schemas.openxmlformats.org/drawingml/2006/main" xmlns:r="http://schemas.openxmlformats.org/officeDocument/2006/relationships" xmlns:p="http://schemas.openxmlformats.org/presentationml/2006/main">
   <p:cSld>
     <p:spTree>
@@ -999,7 +1172,92 @@
 </p:notes>
 </file>
 
-<file path=ppt/notesSlides/notesSlide7.xml><?xml version="1.0" encoding="utf-8"?>
+<file path=ppt/notesSlides/notesSlide8.xml><?xml version="1.0" encoding="utf-8"?>
+<p:notes xmlns:a="http://schemas.openxmlformats.org/drawingml/2006/main" xmlns:r="http://schemas.openxmlformats.org/officeDocument/2006/relationships" xmlns:p="http://schemas.openxmlformats.org/presentationml/2006/main">
+  <p:cSld>
+    <p:spTree>
+      <p:nvGrpSpPr>
+        <p:cNvPr id="1" name=""/>
+        <p:cNvGrpSpPr/>
+        <p:nvPr/>
+      </p:nvGrpSpPr>
+      <p:grpSpPr>
+        <a:xfrm>
+          <a:off x="0" y="0"/>
+          <a:ext cx="0" cy="0"/>
+          <a:chOff x="0" y="0"/>
+          <a:chExt cx="0" cy="0"/>
+        </a:xfrm>
+      </p:grpSpPr>
+      <p:sp>
+        <p:nvSpPr>
+          <p:cNvPr id="2" name="幻灯片图像占位符 1"/>
+          <p:cNvSpPr>
+            <a:spLocks noGrp="1" noRot="1" noChangeAspect="1"/>
+          </p:cNvSpPr>
+          <p:nvPr>
+            <p:ph type="sldImg"/>
+          </p:nvPr>
+        </p:nvSpPr>
+        <p:spPr/>
+      </p:sp>
+      <p:sp>
+        <p:nvSpPr>
+          <p:cNvPr id="3" name="备注占位符 2"/>
+          <p:cNvSpPr>
+            <a:spLocks noGrp="1"/>
+          </p:cNvSpPr>
+          <p:nvPr>
+            <p:ph type="body" idx="1"/>
+          </p:nvPr>
+        </p:nvSpPr>
+        <p:spPr/>
+        <p:txBody>
+          <a:bodyPr/>
+          <a:lstStyle/>
+          <a:p>
+            <a:endParaRPr lang="zh-CN" altLang="en-US"/>
+          </a:p>
+        </p:txBody>
+      </p:sp>
+      <p:sp>
+        <p:nvSpPr>
+          <p:cNvPr id="4" name="灯片编号占位符 3"/>
+          <p:cNvSpPr>
+            <a:spLocks noGrp="1"/>
+          </p:cNvSpPr>
+          <p:nvPr>
+            <p:ph type="sldNum" sz="quarter" idx="10"/>
+          </p:nvPr>
+        </p:nvSpPr>
+        <p:spPr/>
+        <p:txBody>
+          <a:bodyPr/>
+          <a:lstStyle/>
+          <a:p>
+            <a:fld id="{0C1358CC-A703-4029-B39F-0A33770C7D58}" type="slidenum">
+              <a:rPr lang="zh-CN" altLang="en-US" smtClean="0"/>
+              <a:pPr/>
+              <a:t>10</a:t>
+            </a:fld>
+            <a:endParaRPr lang="zh-CN" altLang="en-US"/>
+          </a:p>
+        </p:txBody>
+      </p:sp>
+    </p:spTree>
+    <p:extLst>
+      <p:ext uri="{BB962C8B-B14F-4D97-AF65-F5344CB8AC3E}">
+        <p14:creationId xmlns:p14="http://schemas.microsoft.com/office/powerpoint/2010/main" val="1711556227"/>
+      </p:ext>
+    </p:extLst>
+  </p:cSld>
+  <p:clrMapOvr>
+    <a:masterClrMapping/>
+  </p:clrMapOvr>
+</p:notes>
+</file>
+
+<file path=ppt/notesSlides/notesSlide9.xml><?xml version="1.0" encoding="utf-8"?>
 <p:notes xmlns:a="http://schemas.openxmlformats.org/drawingml/2006/main" xmlns:r="http://schemas.openxmlformats.org/officeDocument/2006/relationships" xmlns:p="http://schemas.openxmlformats.org/presentationml/2006/main">
   <p:cSld>
     <p:spTree>
@@ -1074,7 +1332,7 @@
     </p:spTree>
     <p:extLst>
       <p:ext uri="{BB962C8B-B14F-4D97-AF65-F5344CB8AC3E}">
-        <p14:creationId xmlns:p14="http://schemas.microsoft.com/office/powerpoint/2010/main" val="1860985024"/>
+        <p14:creationId xmlns:p14="http://schemas.microsoft.com/office/powerpoint/2010/main" val="1603670215"/>
       </p:ext>
     </p:extLst>
   </p:cSld>
@@ -1216,7 +1474,7 @@
             <a:fld id="{16D2838C-BFF6-44EE-AD8D-5776E64BEE18}" type="datetime1">
               <a:rPr lang="zh-CN" altLang="en-US" smtClean="0"/>
               <a:pPr/>
-              <a:t>16/12/27</a:t>
+              <a:t>2017/1/5 Thursday</a:t>
             </a:fld>
             <a:endParaRPr lang="zh-CN" altLang="en-US"/>
           </a:p>
@@ -1388,7 +1646,7 @@
             <a:fld id="{1AB19CA9-6F5A-421B-95A9-7871EC999B68}" type="datetime1">
               <a:rPr lang="zh-CN" altLang="en-US" smtClean="0"/>
               <a:pPr/>
-              <a:t>16/12/27</a:t>
+              <a:t>2017/1/5 Thursday</a:t>
             </a:fld>
             <a:endParaRPr lang="zh-CN" altLang="en-US"/>
           </a:p>
@@ -1570,7 +1828,7 @@
             <a:fld id="{A2627A39-82AA-4E11-A7C9-5F620A269A31}" type="datetime1">
               <a:rPr lang="zh-CN" altLang="en-US" smtClean="0"/>
               <a:pPr/>
-              <a:t>16/12/27</a:t>
+              <a:t>2017/1/5 Thursday</a:t>
             </a:fld>
             <a:endParaRPr lang="zh-CN" altLang="en-US"/>
           </a:p>
@@ -1742,7 +2000,7 @@
             <a:fld id="{5BBE1022-6ACA-4F55-B3A0-0BD25C3254E5}" type="datetime1">
               <a:rPr lang="zh-CN" altLang="en-US" smtClean="0"/>
               <a:pPr/>
-              <a:t>16/12/27</a:t>
+              <a:t>2017/1/5 Thursday</a:t>
             </a:fld>
             <a:endParaRPr lang="zh-CN" altLang="en-US"/>
           </a:p>
@@ -1990,7 +2248,7 @@
             <a:fld id="{44F6879A-9CBE-4B28-AD8B-12F5DF23C6A9}" type="datetime1">
               <a:rPr lang="zh-CN" altLang="en-US" smtClean="0"/>
               <a:pPr/>
-              <a:t>16/12/27</a:t>
+              <a:t>2017/1/5 Thursday</a:t>
             </a:fld>
             <a:endParaRPr lang="zh-CN" altLang="en-US"/>
           </a:p>
@@ -2224,7 +2482,7 @@
             <a:fld id="{E3CA92DD-C6AF-4BE5-B518-78EF51980AF8}" type="datetime1">
               <a:rPr lang="zh-CN" altLang="en-US" smtClean="0"/>
               <a:pPr/>
-              <a:t>16/12/27</a:t>
+              <a:t>2017/1/5 Thursday</a:t>
             </a:fld>
             <a:endParaRPr lang="zh-CN" altLang="en-US"/>
           </a:p>
@@ -2593,7 +2851,7 @@
             <a:fld id="{AC4D006E-3573-49D4-BEA0-7B5B64C8EDFE}" type="datetime1">
               <a:rPr lang="zh-CN" altLang="en-US" smtClean="0"/>
               <a:pPr/>
-              <a:t>16/12/27</a:t>
+              <a:t>2017/1/5 Thursday</a:t>
             </a:fld>
             <a:endParaRPr lang="zh-CN" altLang="en-US"/>
           </a:p>
@@ -2713,7 +2971,7 @@
             <a:fld id="{B9D25F6B-40D9-4ED2-9306-49B62633A4C2}" type="datetime1">
               <a:rPr lang="zh-CN" altLang="en-US" smtClean="0"/>
               <a:pPr/>
-              <a:t>16/12/27</a:t>
+              <a:t>2017/1/5 Thursday</a:t>
             </a:fld>
             <a:endParaRPr lang="zh-CN" altLang="en-US"/>
           </a:p>
@@ -3029,7 +3287,7 @@
             <a:fld id="{84BEFE52-2D3F-4BD5-AFD2-08925509856C}" type="datetime1">
               <a:rPr lang="zh-CN" altLang="en-US" smtClean="0"/>
               <a:pPr/>
-              <a:t>16/12/27</a:t>
+              <a:t>2017/1/5 Thursday</a:t>
             </a:fld>
             <a:endParaRPr lang="zh-CN" altLang="en-US"/>
           </a:p>
@@ -3284,7 +3542,7 @@
             <a:fld id="{D84DC7CF-6A18-4EBB-9944-CC735FF06DA2}" type="datetime1">
               <a:rPr lang="zh-CN" altLang="en-US" smtClean="0"/>
               <a:pPr/>
-              <a:t>16/12/27</a:t>
+              <a:t>2017/1/5 Thursday</a:t>
             </a:fld>
             <a:endParaRPr lang="zh-CN" altLang="en-US"/>
           </a:p>
@@ -3499,7 +3757,7 @@
             <a:fld id="{3E7FC4C6-D029-4A02-8D8A-374C012F707B}" type="datetime1">
               <a:rPr lang="zh-CN" altLang="en-US" smtClean="0"/>
               <a:pPr/>
-              <a:t>16/12/27</a:t>
+              <a:t>2017/1/5 Thursday</a:t>
             </a:fld>
             <a:endParaRPr lang="zh-CN" altLang="en-US"/>
           </a:p>
@@ -5820,7 +6078,7 @@
         <p:spPr>
           <a:xfrm>
             <a:off x="2755653" y="2987615"/>
-            <a:ext cx="5817870" cy="1569660"/>
+            <a:ext cx="5817870" cy="1292662"/>
           </a:xfrm>
           <a:prstGeom prst="rect">
             <a:avLst/>
@@ -5833,21 +6091,11 @@
           </a:bodyPr>
           <a:lstStyle/>
           <a:p>
-            <a:pPr algn="r">
+            <a:pPr algn="ctr">
               <a:lnSpc>
                 <a:spcPct val="150000"/>
               </a:lnSpc>
             </a:pPr>
-            <a:r>
-              <a:rPr lang="en-US" altLang="zh-CN" sz="3200" dirty="0" smtClean="0">
-                <a:solidFill>
-                  <a:srgbClr val="3563A8"/>
-                </a:solidFill>
-                <a:latin typeface="汉仪细等线简" panose="02010609000101010101" pitchFamily="49" charset="-122"/>
-                <a:ea typeface="汉仪细等线简" panose="02010609000101010101" pitchFamily="49" charset="-122"/>
-              </a:rPr>
-              <a:t>【</a:t>
-            </a:r>
             <a:r>
               <a:rPr lang="zh-CN" altLang="en-US" sz="3200" dirty="0" smtClean="0">
                 <a:solidFill>
@@ -5856,17 +6104,7 @@
                 <a:latin typeface="汉仪细等线简" panose="02010609000101010101" pitchFamily="49" charset="-122"/>
                 <a:ea typeface="汉仪细等线简" panose="02010609000101010101" pitchFamily="49" charset="-122"/>
               </a:rPr>
-              <a:t>操作系统实验二</a:t>
-            </a:r>
-            <a:r>
-              <a:rPr lang="en-US" altLang="zh-CN" sz="3200" dirty="0" smtClean="0">
-                <a:solidFill>
-                  <a:srgbClr val="3563A8"/>
-                </a:solidFill>
-                <a:latin typeface="汉仪细等线简" panose="02010609000101010101" pitchFamily="49" charset="-122"/>
-                <a:ea typeface="汉仪细等线简" panose="02010609000101010101" pitchFamily="49" charset="-122"/>
-              </a:rPr>
-              <a:t>】</a:t>
+              <a:t>系统调用</a:t>
             </a:r>
             <a:endParaRPr lang="en-US" altLang="zh-CN" sz="3200" dirty="0" smtClean="0">
               <a:solidFill>
@@ -5883,16 +6121,56 @@
               </a:lnSpc>
             </a:pPr>
             <a:r>
-              <a:rPr lang="zh-CN" altLang="en-US" sz="3200" dirty="0" smtClean="0">
+              <a:rPr lang="en-US" altLang="zh-CN" sz="2000" dirty="0" smtClean="0">
                 <a:solidFill>
                   <a:srgbClr val="3563A8"/>
                 </a:solidFill>
                 <a:latin typeface="汉仪细等线简" panose="02010609000101010101" pitchFamily="49" charset="-122"/>
                 <a:ea typeface="汉仪细等线简" panose="02010609000101010101" pitchFamily="49" charset="-122"/>
               </a:rPr>
-              <a:t>系统调用</a:t>
-            </a:r>
-            <a:endParaRPr lang="zh-CN" altLang="en-US" sz="3200" dirty="0">
+              <a:t>——《</a:t>
+            </a:r>
+            <a:r>
+              <a:rPr lang="zh-CN" altLang="en-US" sz="2000" dirty="0" smtClean="0">
+                <a:solidFill>
+                  <a:srgbClr val="3563A8"/>
+                </a:solidFill>
+                <a:latin typeface="汉仪细等线简" panose="02010609000101010101" pitchFamily="49" charset="-122"/>
+                <a:ea typeface="汉仪细等线简" panose="02010609000101010101" pitchFamily="49" charset="-122"/>
+              </a:rPr>
+              <a:t>操作系统</a:t>
+            </a:r>
+            <a:r>
+              <a:rPr lang="en-US" altLang="zh-CN" sz="2000" dirty="0" smtClean="0">
+                <a:solidFill>
+                  <a:srgbClr val="3563A8"/>
+                </a:solidFill>
+                <a:latin typeface="汉仪细等线简" panose="02010609000101010101" pitchFamily="49" charset="-122"/>
+                <a:ea typeface="汉仪细等线简" panose="02010609000101010101" pitchFamily="49" charset="-122"/>
+              </a:rPr>
+              <a:t>》</a:t>
+            </a:r>
+            <a:r>
+              <a:rPr lang="zh-CN" altLang="en-US" sz="2000" dirty="0">
+                <a:solidFill>
+                  <a:srgbClr val="3563A8"/>
+                </a:solidFill>
+                <a:latin typeface="汉仪细等线简" panose="02010609000101010101" pitchFamily="49" charset="-122"/>
+                <a:ea typeface="汉仪细等线简" panose="02010609000101010101" pitchFamily="49" charset="-122"/>
+              </a:rPr>
+              <a:t>实</a:t>
+            </a:r>
+            <a:r>
+              <a:rPr lang="zh-CN" altLang="en-US" sz="2000" dirty="0" smtClean="0">
+                <a:solidFill>
+                  <a:srgbClr val="3563A8"/>
+                </a:solidFill>
+                <a:latin typeface="汉仪细等线简" panose="02010609000101010101" pitchFamily="49" charset="-122"/>
+                <a:ea typeface="汉仪细等线简" panose="02010609000101010101" pitchFamily="49" charset="-122"/>
+              </a:rPr>
+              <a:t>验二</a:t>
+            </a:r>
+            <a:endParaRPr lang="zh-CN" altLang="en-US" sz="2000" dirty="0">
               <a:solidFill>
                 <a:srgbClr val="3563A8"/>
               </a:solidFill>
@@ -11681,7 +11959,7 @@
                 <a:latin typeface="汉仪细等线简" panose="02010609000101010101" pitchFamily="49" charset="-122"/>
                 <a:ea typeface="汉仪细等线简" panose="02010609000101010101" pitchFamily="49" charset="-122"/>
               </a:rPr>
-              <a:t>樊晨霄   </a:t>
+              <a:t>樊晨霄  </a:t>
             </a:r>
             <a:r>
               <a:rPr lang="en-US" altLang="zh-CN" sz="1600" dirty="0" smtClean="0">
@@ -11736,6 +12014,1802 @@
 </file>
 
 <file path=ppt/slides/slide10.xml><?xml version="1.0" encoding="utf-8"?>
+<p:sld xmlns:a="http://schemas.openxmlformats.org/drawingml/2006/main" xmlns:r="http://schemas.openxmlformats.org/officeDocument/2006/relationships" xmlns:p="http://schemas.openxmlformats.org/presentationml/2006/main">
+  <p:cSld>
+    <p:spTree>
+      <p:nvGrpSpPr>
+        <p:cNvPr id="1" name=""/>
+        <p:cNvGrpSpPr/>
+        <p:nvPr/>
+      </p:nvGrpSpPr>
+      <p:grpSpPr>
+        <a:xfrm>
+          <a:off x="0" y="0"/>
+          <a:ext cx="0" cy="0"/>
+          <a:chOff x="0" y="0"/>
+          <a:chExt cx="0" cy="0"/>
+        </a:xfrm>
+      </p:grpSpPr>
+      <p:sp>
+        <p:nvSpPr>
+          <p:cNvPr id="105" name="文本框 104"/>
+          <p:cNvSpPr txBox="1"/>
+          <p:nvPr/>
+        </p:nvSpPr>
+        <p:spPr>
+          <a:xfrm>
+            <a:off x="943736" y="2370922"/>
+            <a:ext cx="2598801" cy="461665"/>
+          </a:xfrm>
+          <a:prstGeom prst="rect">
+            <a:avLst/>
+          </a:prstGeom>
+          <a:noFill/>
+        </p:spPr>
+        <p:txBody>
+          <a:bodyPr wrap="square" rtlCol="0">
+            <a:spAutoFit/>
+          </a:bodyPr>
+          <a:lstStyle/>
+          <a:p>
+            <a:pPr algn="ctr"/>
+            <a:r>
+              <a:rPr lang="zh-CN" altLang="en-US" sz="2400" dirty="0" smtClean="0">
+                <a:solidFill>
+                  <a:srgbClr val="3563A8"/>
+                </a:solidFill>
+              </a:rPr>
+              <a:t>虚拟</a:t>
+            </a:r>
+            <a:r>
+              <a:rPr lang="zh-CN" altLang="en-US" sz="2400" dirty="0">
+                <a:solidFill>
+                  <a:srgbClr val="3563A8"/>
+                </a:solidFill>
+              </a:rPr>
+              <a:t>机</a:t>
+            </a:r>
+            <a:r>
+              <a:rPr lang="zh-CN" altLang="en-US" sz="2400" dirty="0" smtClean="0">
+                <a:solidFill>
+                  <a:srgbClr val="3563A8"/>
+                </a:solidFill>
+              </a:rPr>
+              <a:t>操作</a:t>
+            </a:r>
+            <a:r>
+              <a:rPr lang="en-US" altLang="zh-CN" sz="2400" dirty="0" smtClean="0">
+                <a:solidFill>
+                  <a:srgbClr val="3563A8"/>
+                </a:solidFill>
+              </a:rPr>
+              <a:t>&amp;</a:t>
+            </a:r>
+            <a:r>
+              <a:rPr lang="zh-CN" altLang="en-US" sz="2400" dirty="0" smtClean="0">
+                <a:solidFill>
+                  <a:srgbClr val="3563A8"/>
+                </a:solidFill>
+              </a:rPr>
+              <a:t>测试</a:t>
+            </a:r>
+            <a:endParaRPr lang="zh-CN" altLang="en-US" sz="2400" dirty="0">
+              <a:solidFill>
+                <a:srgbClr val="3563A8"/>
+              </a:solidFill>
+            </a:endParaRPr>
+          </a:p>
+        </p:txBody>
+      </p:sp>
+      <p:grpSp>
+        <p:nvGrpSpPr>
+          <p:cNvPr id="45" name="组合 6"/>
+          <p:cNvGrpSpPr/>
+          <p:nvPr/>
+        </p:nvGrpSpPr>
+        <p:grpSpPr>
+          <a:xfrm>
+            <a:off x="1016595" y="147812"/>
+            <a:ext cx="596638" cy="320040"/>
+            <a:chOff x="1016595" y="147812"/>
+            <a:chExt cx="596638" cy="320040"/>
+          </a:xfrm>
+        </p:grpSpPr>
+        <p:cxnSp>
+          <p:nvCxnSpPr>
+            <p:cNvPr id="48" name="直接连接符 2"/>
+            <p:cNvCxnSpPr/>
+            <p:nvPr/>
+          </p:nvCxnSpPr>
+          <p:spPr>
+            <a:xfrm>
+              <a:off x="1611727" y="147812"/>
+              <a:ext cx="0" cy="320040"/>
+            </a:xfrm>
+            <a:prstGeom prst="line">
+              <a:avLst/>
+            </a:prstGeom>
+            <a:ln>
+              <a:solidFill>
+                <a:srgbClr val="3563A8"/>
+              </a:solidFill>
+            </a:ln>
+          </p:spPr>
+          <p:style>
+            <a:lnRef idx="1">
+              <a:schemeClr val="accent1"/>
+            </a:lnRef>
+            <a:fillRef idx="0">
+              <a:schemeClr val="accent1"/>
+            </a:fillRef>
+            <a:effectRef idx="0">
+              <a:schemeClr val="accent1"/>
+            </a:effectRef>
+            <a:fontRef idx="minor">
+              <a:schemeClr val="tx1"/>
+            </a:fontRef>
+          </p:style>
+        </p:cxnSp>
+        <p:sp>
+          <p:nvSpPr>
+            <p:cNvPr id="62" name="文本框 61"/>
+            <p:cNvSpPr txBox="1"/>
+            <p:nvPr/>
+          </p:nvSpPr>
+          <p:spPr>
+            <a:xfrm>
+              <a:off x="1016595" y="169333"/>
+              <a:ext cx="596638" cy="276999"/>
+            </a:xfrm>
+            <a:prstGeom prst="rect">
+              <a:avLst/>
+            </a:prstGeom>
+            <a:noFill/>
+          </p:spPr>
+          <p:txBody>
+            <a:bodyPr wrap="none" rtlCol="0">
+              <a:spAutoFit/>
+            </a:bodyPr>
+            <a:lstStyle/>
+            <a:p>
+              <a:r>
+                <a:rPr lang="en-US" altLang="zh-CN" sz="1200" dirty="0" smtClean="0">
+                  <a:solidFill>
+                    <a:srgbClr val="3563A8"/>
+                  </a:solidFill>
+                  <a:latin typeface="+mj-lt"/>
+                  <a:ea typeface="Arial Unicode MS" panose="020B0604020202020204" pitchFamily="34" charset="-122"/>
+                  <a:cs typeface="Arial Unicode MS" panose="020B0604020202020204" pitchFamily="34" charset="-122"/>
+                </a:rPr>
+                <a:t>M</a:t>
+              </a:r>
+              <a:r>
+                <a:rPr lang="zh-CN" altLang="en-US" sz="1200" dirty="0" smtClean="0">
+                  <a:solidFill>
+                    <a:srgbClr val="3563A8"/>
+                  </a:solidFill>
+                  <a:latin typeface="+mj-lt"/>
+                  <a:ea typeface="Arial Unicode MS" panose="020B0604020202020204" pitchFamily="34" charset="-122"/>
+                  <a:cs typeface="Arial Unicode MS" panose="020B0604020202020204" pitchFamily="34" charset="-122"/>
+                </a:rPr>
+                <a:t> </a:t>
+              </a:r>
+              <a:r>
+                <a:rPr lang="en-US" altLang="zh-CN" sz="1200" dirty="0" smtClean="0">
+                  <a:solidFill>
+                    <a:srgbClr val="3563A8"/>
+                  </a:solidFill>
+                  <a:latin typeface="+mj-lt"/>
+                  <a:ea typeface="Arial Unicode MS" panose="020B0604020202020204" pitchFamily="34" charset="-122"/>
+                  <a:cs typeface="Arial Unicode MS" panose="020B0604020202020204" pitchFamily="34" charset="-122"/>
+                </a:rPr>
+                <a:t>I</a:t>
+              </a:r>
+              <a:r>
+                <a:rPr lang="zh-CN" altLang="en-US" sz="1200" dirty="0" smtClean="0">
+                  <a:solidFill>
+                    <a:srgbClr val="3563A8"/>
+                  </a:solidFill>
+                  <a:latin typeface="+mj-lt"/>
+                  <a:ea typeface="Arial Unicode MS" panose="020B0604020202020204" pitchFamily="34" charset="-122"/>
+                  <a:cs typeface="Arial Unicode MS" panose="020B0604020202020204" pitchFamily="34" charset="-122"/>
+                </a:rPr>
+                <a:t>  </a:t>
+              </a:r>
+              <a:r>
+                <a:rPr lang="en-US" altLang="zh-CN" sz="1200" dirty="0" smtClean="0">
+                  <a:solidFill>
+                    <a:srgbClr val="3563A8"/>
+                  </a:solidFill>
+                  <a:latin typeface="+mj-lt"/>
+                  <a:ea typeface="Arial Unicode MS" panose="020B0604020202020204" pitchFamily="34" charset="-122"/>
+                  <a:cs typeface="Arial Unicode MS" panose="020B0604020202020204" pitchFamily="34" charset="-122"/>
+                </a:rPr>
+                <a:t>C</a:t>
+              </a:r>
+              <a:endParaRPr lang="zh-CN" altLang="en-US" sz="1200" dirty="0">
+                <a:solidFill>
+                  <a:srgbClr val="3563A8"/>
+                </a:solidFill>
+                <a:latin typeface="+mj-lt"/>
+                <a:ea typeface="Arial Unicode MS" panose="020B0604020202020204" pitchFamily="34" charset="-122"/>
+                <a:cs typeface="Arial Unicode MS" panose="020B0604020202020204" pitchFamily="34" charset="-122"/>
+              </a:endParaRPr>
+            </a:p>
+          </p:txBody>
+        </p:sp>
+      </p:grpSp>
+      <p:sp>
+        <p:nvSpPr>
+          <p:cNvPr id="63" name="文本框 62"/>
+          <p:cNvSpPr txBox="1"/>
+          <p:nvPr/>
+        </p:nvSpPr>
+        <p:spPr>
+          <a:xfrm>
+            <a:off x="1636572" y="169333"/>
+            <a:ext cx="800219" cy="276999"/>
+          </a:xfrm>
+          <a:prstGeom prst="rect">
+            <a:avLst/>
+          </a:prstGeom>
+          <a:noFill/>
+        </p:spPr>
+        <p:txBody>
+          <a:bodyPr wrap="none" rtlCol="0">
+            <a:spAutoFit/>
+          </a:bodyPr>
+          <a:lstStyle/>
+          <a:p>
+            <a:r>
+              <a:rPr lang="zh-CN" altLang="en-US" sz="1200" dirty="0" smtClean="0">
+                <a:solidFill>
+                  <a:schemeClr val="bg1">
+                    <a:lumMod val="50000"/>
+                  </a:schemeClr>
+                </a:solidFill>
+                <a:latin typeface="+mj-lt"/>
+                <a:ea typeface="Arial Unicode MS" panose="020B0604020202020204" pitchFamily="34" charset="-122"/>
+                <a:cs typeface="Arial Unicode MS" panose="020B0604020202020204" pitchFamily="34" charset="-122"/>
+              </a:rPr>
+              <a:t>实验过程</a:t>
+            </a:r>
+            <a:endParaRPr lang="zh-CN" altLang="en-US" sz="1200" dirty="0">
+              <a:solidFill>
+                <a:schemeClr val="bg1">
+                  <a:lumMod val="50000"/>
+                </a:schemeClr>
+              </a:solidFill>
+              <a:latin typeface="+mj-lt"/>
+              <a:ea typeface="Arial Unicode MS" panose="020B0604020202020204" pitchFamily="34" charset="-122"/>
+              <a:cs typeface="Arial Unicode MS" panose="020B0604020202020204" pitchFamily="34" charset="-122"/>
+            </a:endParaRPr>
+          </a:p>
+        </p:txBody>
+      </p:sp>
+      <p:grpSp>
+        <p:nvGrpSpPr>
+          <p:cNvPr id="20" name="组合 56"/>
+          <p:cNvGrpSpPr/>
+          <p:nvPr/>
+        </p:nvGrpSpPr>
+        <p:grpSpPr>
+          <a:xfrm rot="16200000">
+            <a:off x="5339356" y="-188777"/>
+            <a:ext cx="5039681" cy="7117317"/>
+            <a:chOff x="3836179" y="1605097"/>
+            <a:chExt cx="2427515" cy="3431907"/>
+          </a:xfrm>
+          <a:noFill/>
+        </p:grpSpPr>
+        <p:sp>
+          <p:nvSpPr>
+            <p:cNvPr id="21" name="圆角矩形 20"/>
+            <p:cNvSpPr/>
+            <p:nvPr/>
+          </p:nvSpPr>
+          <p:spPr>
+            <a:xfrm>
+              <a:off x="3836179" y="1605097"/>
+              <a:ext cx="2427515" cy="3431907"/>
+            </a:xfrm>
+            <a:prstGeom prst="roundRect">
+              <a:avLst>
+                <a:gd name="adj" fmla="val 7292"/>
+              </a:avLst>
+            </a:prstGeom>
+            <a:solidFill>
+              <a:schemeClr val="bg1"/>
+            </a:solidFill>
+            <a:ln w="6350">
+              <a:solidFill>
+                <a:schemeClr val="bg1">
+                  <a:lumMod val="50000"/>
+                </a:schemeClr>
+              </a:solidFill>
+            </a:ln>
+          </p:spPr>
+          <p:style>
+            <a:lnRef idx="2">
+              <a:schemeClr val="accent1">
+                <a:shade val="50000"/>
+              </a:schemeClr>
+            </a:lnRef>
+            <a:fillRef idx="1">
+              <a:schemeClr val="accent1"/>
+            </a:fillRef>
+            <a:effectRef idx="0">
+              <a:schemeClr val="accent1"/>
+            </a:effectRef>
+            <a:fontRef idx="minor">
+              <a:schemeClr val="lt1"/>
+            </a:fontRef>
+          </p:style>
+          <p:txBody>
+            <a:bodyPr rtlCol="0" anchor="ctr"/>
+            <a:lstStyle/>
+            <a:p>
+              <a:pPr algn="ctr"/>
+              <a:endParaRPr lang="zh-CN" altLang="en-US"/>
+            </a:p>
+          </p:txBody>
+        </p:sp>
+        <p:sp>
+          <p:nvSpPr>
+            <p:cNvPr id="22" name="矩形 21"/>
+            <p:cNvSpPr/>
+            <p:nvPr/>
+          </p:nvSpPr>
+          <p:spPr>
+            <a:xfrm>
+              <a:off x="3977694" y="1899011"/>
+              <a:ext cx="2144486" cy="2861352"/>
+            </a:xfrm>
+            <a:prstGeom prst="rect">
+              <a:avLst/>
+            </a:prstGeom>
+            <a:solidFill>
+              <a:schemeClr val="bg1"/>
+            </a:solidFill>
+            <a:ln w="6350">
+              <a:solidFill>
+                <a:schemeClr val="bg1">
+                  <a:lumMod val="50000"/>
+                </a:schemeClr>
+              </a:solidFill>
+            </a:ln>
+          </p:spPr>
+          <p:style>
+            <a:lnRef idx="2">
+              <a:schemeClr val="accent1">
+                <a:shade val="50000"/>
+              </a:schemeClr>
+            </a:lnRef>
+            <a:fillRef idx="1">
+              <a:schemeClr val="accent1"/>
+            </a:fillRef>
+            <a:effectRef idx="0">
+              <a:schemeClr val="accent1"/>
+            </a:effectRef>
+            <a:fontRef idx="minor">
+              <a:schemeClr val="lt1"/>
+            </a:fontRef>
+          </p:style>
+          <p:txBody>
+            <a:bodyPr rtlCol="0" anchor="ctr"/>
+            <a:lstStyle/>
+            <a:p>
+              <a:pPr algn="ctr"/>
+              <a:endParaRPr lang="zh-CN" altLang="en-US"/>
+            </a:p>
+          </p:txBody>
+        </p:sp>
+        <p:sp>
+          <p:nvSpPr>
+            <p:cNvPr id="23" name="椭圆 22"/>
+            <p:cNvSpPr/>
+            <p:nvPr/>
+          </p:nvSpPr>
+          <p:spPr>
+            <a:xfrm>
+              <a:off x="5017373" y="1735722"/>
+              <a:ext cx="65315" cy="65315"/>
+            </a:xfrm>
+            <a:prstGeom prst="ellipse">
+              <a:avLst/>
+            </a:prstGeom>
+            <a:grpFill/>
+            <a:ln w="6350">
+              <a:solidFill>
+                <a:schemeClr val="bg1">
+                  <a:lumMod val="50000"/>
+                </a:schemeClr>
+              </a:solidFill>
+            </a:ln>
+          </p:spPr>
+          <p:style>
+            <a:lnRef idx="2">
+              <a:schemeClr val="accent1">
+                <a:shade val="50000"/>
+              </a:schemeClr>
+            </a:lnRef>
+            <a:fillRef idx="1">
+              <a:schemeClr val="accent1"/>
+            </a:fillRef>
+            <a:effectRef idx="0">
+              <a:schemeClr val="accent1"/>
+            </a:effectRef>
+            <a:fontRef idx="minor">
+              <a:schemeClr val="lt1"/>
+            </a:fontRef>
+          </p:style>
+          <p:txBody>
+            <a:bodyPr rtlCol="0" anchor="ctr"/>
+            <a:lstStyle/>
+            <a:p>
+              <a:pPr algn="ctr"/>
+              <a:endParaRPr lang="zh-CN" altLang="en-US"/>
+            </a:p>
+          </p:txBody>
+        </p:sp>
+        <p:grpSp>
+          <p:nvGrpSpPr>
+            <p:cNvPr id="24" name="组合 67"/>
+            <p:cNvGrpSpPr/>
+            <p:nvPr/>
+          </p:nvGrpSpPr>
+          <p:grpSpPr>
+            <a:xfrm>
+              <a:off x="4971745" y="4822650"/>
+              <a:ext cx="180000" cy="180000"/>
+              <a:chOff x="8084634" y="869795"/>
+              <a:chExt cx="1089631" cy="1089631"/>
+            </a:xfrm>
+            <a:grpFill/>
+          </p:grpSpPr>
+          <p:sp>
+            <p:nvSpPr>
+              <p:cNvPr id="26" name="椭圆 25"/>
+              <p:cNvSpPr/>
+              <p:nvPr/>
+            </p:nvSpPr>
+            <p:spPr>
+              <a:xfrm>
+                <a:off x="8084634" y="869795"/>
+                <a:ext cx="1089631" cy="1089631"/>
+              </a:xfrm>
+              <a:prstGeom prst="ellipse">
+                <a:avLst/>
+              </a:prstGeom>
+              <a:grpFill/>
+              <a:ln w="6350">
+                <a:solidFill>
+                  <a:schemeClr val="bg1">
+                    <a:lumMod val="50000"/>
+                  </a:schemeClr>
+                </a:solidFill>
+              </a:ln>
+            </p:spPr>
+            <p:style>
+              <a:lnRef idx="2">
+                <a:schemeClr val="accent1">
+                  <a:shade val="50000"/>
+                </a:schemeClr>
+              </a:lnRef>
+              <a:fillRef idx="1">
+                <a:schemeClr val="accent1"/>
+              </a:fillRef>
+              <a:effectRef idx="0">
+                <a:schemeClr val="accent1"/>
+              </a:effectRef>
+              <a:fontRef idx="minor">
+                <a:schemeClr val="lt1"/>
+              </a:fontRef>
+            </p:style>
+            <p:txBody>
+              <a:bodyPr rtlCol="0" anchor="ctr"/>
+              <a:lstStyle/>
+              <a:p>
+                <a:pPr algn="ctr"/>
+                <a:endParaRPr lang="zh-CN" altLang="en-US"/>
+              </a:p>
+            </p:txBody>
+          </p:sp>
+          <p:sp>
+            <p:nvSpPr>
+              <p:cNvPr id="27" name="圆角矩形 26"/>
+              <p:cNvSpPr/>
+              <p:nvPr/>
+            </p:nvSpPr>
+            <p:spPr>
+              <a:xfrm>
+                <a:off x="8389413" y="1174574"/>
+                <a:ext cx="480072" cy="480072"/>
+              </a:xfrm>
+              <a:prstGeom prst="roundRect">
+                <a:avLst/>
+              </a:prstGeom>
+              <a:grpFill/>
+              <a:ln w="6350">
+                <a:solidFill>
+                  <a:schemeClr val="bg1">
+                    <a:lumMod val="50000"/>
+                  </a:schemeClr>
+                </a:solidFill>
+              </a:ln>
+            </p:spPr>
+            <p:style>
+              <a:lnRef idx="2">
+                <a:schemeClr val="accent1">
+                  <a:shade val="50000"/>
+                </a:schemeClr>
+              </a:lnRef>
+              <a:fillRef idx="1">
+                <a:schemeClr val="accent1"/>
+              </a:fillRef>
+              <a:effectRef idx="0">
+                <a:schemeClr val="accent1"/>
+              </a:effectRef>
+              <a:fontRef idx="minor">
+                <a:schemeClr val="lt1"/>
+              </a:fontRef>
+            </p:style>
+            <p:txBody>
+              <a:bodyPr rtlCol="0" anchor="ctr"/>
+              <a:lstStyle/>
+              <a:p>
+                <a:pPr algn="ctr"/>
+                <a:endParaRPr lang="zh-CN" altLang="en-US"/>
+              </a:p>
+            </p:txBody>
+          </p:sp>
+        </p:grpSp>
+      </p:grpSp>
+      <p:sp>
+        <p:nvSpPr>
+          <p:cNvPr id="44" name="矩形 43"/>
+          <p:cNvSpPr/>
+          <p:nvPr/>
+        </p:nvSpPr>
+        <p:spPr>
+          <a:xfrm>
+            <a:off x="901226" y="4244435"/>
+            <a:ext cx="2683823" cy="45719"/>
+          </a:xfrm>
+          <a:prstGeom prst="rect">
+            <a:avLst/>
+          </a:prstGeom>
+          <a:solidFill>
+            <a:srgbClr val="3563A8"/>
+          </a:solidFill>
+          <a:ln>
+            <a:noFill/>
+          </a:ln>
+        </p:spPr>
+        <p:style>
+          <a:lnRef idx="2">
+            <a:schemeClr val="accent1">
+              <a:shade val="50000"/>
+            </a:schemeClr>
+          </a:lnRef>
+          <a:fillRef idx="1">
+            <a:schemeClr val="accent1"/>
+          </a:fillRef>
+          <a:effectRef idx="0">
+            <a:schemeClr val="accent1"/>
+          </a:effectRef>
+          <a:fontRef idx="minor">
+            <a:schemeClr val="lt1"/>
+          </a:fontRef>
+        </p:style>
+        <p:txBody>
+          <a:bodyPr rtlCol="0" anchor="ctr"/>
+          <a:lstStyle/>
+          <a:p>
+            <a:pPr algn="ctr"/>
+            <a:endParaRPr lang="zh-CN" altLang="en-US"/>
+          </a:p>
+        </p:txBody>
+      </p:sp>
+      <p:sp>
+        <p:nvSpPr>
+          <p:cNvPr id="46" name="矩形 45"/>
+          <p:cNvSpPr/>
+          <p:nvPr/>
+        </p:nvSpPr>
+        <p:spPr>
+          <a:xfrm>
+            <a:off x="1192342" y="2832587"/>
+            <a:ext cx="2171705" cy="1323439"/>
+          </a:xfrm>
+          <a:prstGeom prst="rect">
+            <a:avLst/>
+          </a:prstGeom>
+        </p:spPr>
+        <p:txBody>
+          <a:bodyPr wrap="square">
+            <a:spAutoFit/>
+          </a:bodyPr>
+          <a:lstStyle/>
+          <a:p>
+            <a:r>
+              <a:rPr lang="zh-CN" altLang="zh-CN" sz="1600" dirty="0"/>
+              <a:t>将linux-0.11挂载，并将上述</a:t>
+            </a:r>
+            <a:r>
+              <a:rPr lang="en-US" altLang="zh-CN" sz="1600" dirty="0" err="1"/>
+              <a:t>whoami.c</a:t>
+            </a:r>
+            <a:r>
+              <a:rPr lang="zh-TW" altLang="zh-CN" sz="1600" dirty="0"/>
+              <a:t>及</a:t>
+            </a:r>
+            <a:r>
+              <a:rPr lang="it-IT" altLang="zh-CN" sz="1600" dirty="0" err="1"/>
+              <a:t>iam.c</a:t>
+            </a:r>
+            <a:r>
+              <a:rPr lang="zh-CN" altLang="zh-CN" sz="1600" dirty="0"/>
+              <a:t>文件放到</a:t>
+            </a:r>
+            <a:r>
+              <a:rPr lang="en-US" altLang="zh-CN" sz="1600" dirty="0" err="1"/>
+              <a:t>hdc</a:t>
+            </a:r>
+            <a:r>
+              <a:rPr lang="en-US" altLang="zh-CN" sz="1600" dirty="0"/>
+              <a:t>/</a:t>
+            </a:r>
+            <a:r>
+              <a:rPr lang="en-US" altLang="zh-CN" sz="1600" dirty="0" err="1"/>
+              <a:t>usr</a:t>
+            </a:r>
+            <a:r>
+              <a:rPr lang="en-US" altLang="zh-CN" sz="1600" dirty="0"/>
+              <a:t>/root</a:t>
+            </a:r>
+            <a:r>
+              <a:rPr lang="zh-CN" altLang="zh-CN" sz="1600" dirty="0"/>
+              <a:t>目录下， </a:t>
+            </a:r>
+            <a:r>
+              <a:rPr lang="zh-CN" altLang="en-US" sz="1600" dirty="0" smtClean="0"/>
+              <a:t>运行，编译，执行</a:t>
+            </a:r>
+            <a:endParaRPr lang="en-US" altLang="zh-CN" sz="1600" dirty="0">
+              <a:solidFill>
+                <a:srgbClr val="3563A8"/>
+              </a:solidFill>
+            </a:endParaRPr>
+          </a:p>
+        </p:txBody>
+      </p:sp>
+      <p:pic>
+        <p:nvPicPr>
+          <p:cNvPr id="47" name="officeArt object"/>
+          <p:cNvPicPr/>
+          <p:nvPr/>
+        </p:nvPicPr>
+        <p:blipFill>
+          <a:blip r:embed="rId3">
+            <a:extLst/>
+          </a:blip>
+          <a:stretch>
+            <a:fillRect/>
+          </a:stretch>
+        </p:blipFill>
+        <p:spPr>
+          <a:xfrm>
+            <a:off x="4924365" y="1571629"/>
+            <a:ext cx="5934062" cy="3656288"/>
+          </a:xfrm>
+          <a:prstGeom prst="rect">
+            <a:avLst/>
+          </a:prstGeom>
+          <a:ln w="12700" cap="flat">
+            <a:noFill/>
+            <a:miter lim="400000"/>
+          </a:ln>
+          <a:effectLst/>
+        </p:spPr>
+      </p:pic>
+    </p:spTree>
+    <p:extLst>
+      <p:ext uri="{BB962C8B-B14F-4D97-AF65-F5344CB8AC3E}">
+        <p14:creationId xmlns:p14="http://schemas.microsoft.com/office/powerpoint/2010/main" val="1957586781"/>
+      </p:ext>
+    </p:extLst>
+  </p:cSld>
+  <p:clrMapOvr>
+    <a:masterClrMapping/>
+  </p:clrMapOvr>
+  <p:transition spd="slow">
+    <p:push dir="u"/>
+  </p:transition>
+  <p:timing>
+    <p:tnLst>
+      <p:par>
+        <p:cTn id="1" dur="indefinite" restart="never" nodeType="tmRoot"/>
+      </p:par>
+    </p:tnLst>
+  </p:timing>
+</p:sld>
+</file>
+
+<file path=ppt/slides/slide11.xml><?xml version="1.0" encoding="utf-8"?>
+<p:sld xmlns:a="http://schemas.openxmlformats.org/drawingml/2006/main" xmlns:r="http://schemas.openxmlformats.org/officeDocument/2006/relationships" xmlns:p="http://schemas.openxmlformats.org/presentationml/2006/main">
+  <p:cSld>
+    <p:spTree>
+      <p:nvGrpSpPr>
+        <p:cNvPr id="1" name=""/>
+        <p:cNvGrpSpPr/>
+        <p:nvPr/>
+      </p:nvGrpSpPr>
+      <p:grpSpPr>
+        <a:xfrm>
+          <a:off x="0" y="0"/>
+          <a:ext cx="0" cy="0"/>
+          <a:chOff x="0" y="0"/>
+          <a:chExt cx="0" cy="0"/>
+        </a:xfrm>
+      </p:grpSpPr>
+      <p:sp>
+        <p:nvSpPr>
+          <p:cNvPr id="105" name="文本框 104"/>
+          <p:cNvSpPr txBox="1"/>
+          <p:nvPr/>
+        </p:nvSpPr>
+        <p:spPr>
+          <a:xfrm>
+            <a:off x="943736" y="2370922"/>
+            <a:ext cx="2598801" cy="461665"/>
+          </a:xfrm>
+          <a:prstGeom prst="rect">
+            <a:avLst/>
+          </a:prstGeom>
+          <a:noFill/>
+        </p:spPr>
+        <p:txBody>
+          <a:bodyPr wrap="square" rtlCol="0">
+            <a:spAutoFit/>
+          </a:bodyPr>
+          <a:lstStyle/>
+          <a:p>
+            <a:pPr algn="ctr"/>
+            <a:r>
+              <a:rPr lang="zh-CN" altLang="en-US" sz="2400" dirty="0" smtClean="0">
+                <a:solidFill>
+                  <a:srgbClr val="3563A8"/>
+                </a:solidFill>
+              </a:rPr>
+              <a:t>虚拟</a:t>
+            </a:r>
+            <a:r>
+              <a:rPr lang="zh-CN" altLang="en-US" sz="2400" dirty="0">
+                <a:solidFill>
+                  <a:srgbClr val="3563A8"/>
+                </a:solidFill>
+              </a:rPr>
+              <a:t>机</a:t>
+            </a:r>
+            <a:r>
+              <a:rPr lang="zh-CN" altLang="en-US" sz="2400" dirty="0" smtClean="0">
+                <a:solidFill>
+                  <a:srgbClr val="3563A8"/>
+                </a:solidFill>
+              </a:rPr>
+              <a:t>操作</a:t>
+            </a:r>
+            <a:r>
+              <a:rPr lang="en-US" altLang="zh-CN" sz="2400" dirty="0" smtClean="0">
+                <a:solidFill>
+                  <a:srgbClr val="3563A8"/>
+                </a:solidFill>
+              </a:rPr>
+              <a:t>&amp;</a:t>
+            </a:r>
+            <a:r>
+              <a:rPr lang="zh-CN" altLang="en-US" sz="2400" dirty="0" smtClean="0">
+                <a:solidFill>
+                  <a:srgbClr val="3563A8"/>
+                </a:solidFill>
+              </a:rPr>
+              <a:t>测试</a:t>
+            </a:r>
+            <a:endParaRPr lang="zh-CN" altLang="en-US" sz="2400" dirty="0">
+              <a:solidFill>
+                <a:srgbClr val="3563A8"/>
+              </a:solidFill>
+            </a:endParaRPr>
+          </a:p>
+        </p:txBody>
+      </p:sp>
+      <p:grpSp>
+        <p:nvGrpSpPr>
+          <p:cNvPr id="45" name="组合 6"/>
+          <p:cNvGrpSpPr/>
+          <p:nvPr/>
+        </p:nvGrpSpPr>
+        <p:grpSpPr>
+          <a:xfrm>
+            <a:off x="1016595" y="147812"/>
+            <a:ext cx="596638" cy="320040"/>
+            <a:chOff x="1016595" y="147812"/>
+            <a:chExt cx="596638" cy="320040"/>
+          </a:xfrm>
+        </p:grpSpPr>
+        <p:cxnSp>
+          <p:nvCxnSpPr>
+            <p:cNvPr id="48" name="直接连接符 2"/>
+            <p:cNvCxnSpPr/>
+            <p:nvPr/>
+          </p:nvCxnSpPr>
+          <p:spPr>
+            <a:xfrm>
+              <a:off x="1611727" y="147812"/>
+              <a:ext cx="0" cy="320040"/>
+            </a:xfrm>
+            <a:prstGeom prst="line">
+              <a:avLst/>
+            </a:prstGeom>
+            <a:ln>
+              <a:solidFill>
+                <a:srgbClr val="3563A8"/>
+              </a:solidFill>
+            </a:ln>
+          </p:spPr>
+          <p:style>
+            <a:lnRef idx="1">
+              <a:schemeClr val="accent1"/>
+            </a:lnRef>
+            <a:fillRef idx="0">
+              <a:schemeClr val="accent1"/>
+            </a:fillRef>
+            <a:effectRef idx="0">
+              <a:schemeClr val="accent1"/>
+            </a:effectRef>
+            <a:fontRef idx="minor">
+              <a:schemeClr val="tx1"/>
+            </a:fontRef>
+          </p:style>
+        </p:cxnSp>
+        <p:sp>
+          <p:nvSpPr>
+            <p:cNvPr id="62" name="文本框 61"/>
+            <p:cNvSpPr txBox="1"/>
+            <p:nvPr/>
+          </p:nvSpPr>
+          <p:spPr>
+            <a:xfrm>
+              <a:off x="1016595" y="169333"/>
+              <a:ext cx="596638" cy="276999"/>
+            </a:xfrm>
+            <a:prstGeom prst="rect">
+              <a:avLst/>
+            </a:prstGeom>
+            <a:noFill/>
+          </p:spPr>
+          <p:txBody>
+            <a:bodyPr wrap="none" rtlCol="0">
+              <a:spAutoFit/>
+            </a:bodyPr>
+            <a:lstStyle/>
+            <a:p>
+              <a:r>
+                <a:rPr lang="en-US" altLang="zh-CN" sz="1200" dirty="0" smtClean="0">
+                  <a:solidFill>
+                    <a:srgbClr val="3563A8"/>
+                  </a:solidFill>
+                  <a:latin typeface="+mj-lt"/>
+                  <a:ea typeface="Arial Unicode MS" panose="020B0604020202020204" pitchFamily="34" charset="-122"/>
+                  <a:cs typeface="Arial Unicode MS" panose="020B0604020202020204" pitchFamily="34" charset="-122"/>
+                </a:rPr>
+                <a:t>M</a:t>
+              </a:r>
+              <a:r>
+                <a:rPr lang="zh-CN" altLang="en-US" sz="1200" dirty="0" smtClean="0">
+                  <a:solidFill>
+                    <a:srgbClr val="3563A8"/>
+                  </a:solidFill>
+                  <a:latin typeface="+mj-lt"/>
+                  <a:ea typeface="Arial Unicode MS" panose="020B0604020202020204" pitchFamily="34" charset="-122"/>
+                  <a:cs typeface="Arial Unicode MS" panose="020B0604020202020204" pitchFamily="34" charset="-122"/>
+                </a:rPr>
+                <a:t> </a:t>
+              </a:r>
+              <a:r>
+                <a:rPr lang="en-US" altLang="zh-CN" sz="1200" dirty="0" smtClean="0">
+                  <a:solidFill>
+                    <a:srgbClr val="3563A8"/>
+                  </a:solidFill>
+                  <a:latin typeface="+mj-lt"/>
+                  <a:ea typeface="Arial Unicode MS" panose="020B0604020202020204" pitchFamily="34" charset="-122"/>
+                  <a:cs typeface="Arial Unicode MS" panose="020B0604020202020204" pitchFamily="34" charset="-122"/>
+                </a:rPr>
+                <a:t>I</a:t>
+              </a:r>
+              <a:r>
+                <a:rPr lang="zh-CN" altLang="en-US" sz="1200" dirty="0" smtClean="0">
+                  <a:solidFill>
+                    <a:srgbClr val="3563A8"/>
+                  </a:solidFill>
+                  <a:latin typeface="+mj-lt"/>
+                  <a:ea typeface="Arial Unicode MS" panose="020B0604020202020204" pitchFamily="34" charset="-122"/>
+                  <a:cs typeface="Arial Unicode MS" panose="020B0604020202020204" pitchFamily="34" charset="-122"/>
+                </a:rPr>
+                <a:t>  </a:t>
+              </a:r>
+              <a:r>
+                <a:rPr lang="en-US" altLang="zh-CN" sz="1200" dirty="0" smtClean="0">
+                  <a:solidFill>
+                    <a:srgbClr val="3563A8"/>
+                  </a:solidFill>
+                  <a:latin typeface="+mj-lt"/>
+                  <a:ea typeface="Arial Unicode MS" panose="020B0604020202020204" pitchFamily="34" charset="-122"/>
+                  <a:cs typeface="Arial Unicode MS" panose="020B0604020202020204" pitchFamily="34" charset="-122"/>
+                </a:rPr>
+                <a:t>C</a:t>
+              </a:r>
+              <a:endParaRPr lang="zh-CN" altLang="en-US" sz="1200" dirty="0">
+                <a:solidFill>
+                  <a:srgbClr val="3563A8"/>
+                </a:solidFill>
+                <a:latin typeface="+mj-lt"/>
+                <a:ea typeface="Arial Unicode MS" panose="020B0604020202020204" pitchFamily="34" charset="-122"/>
+                <a:cs typeface="Arial Unicode MS" panose="020B0604020202020204" pitchFamily="34" charset="-122"/>
+              </a:endParaRPr>
+            </a:p>
+          </p:txBody>
+        </p:sp>
+      </p:grpSp>
+      <p:sp>
+        <p:nvSpPr>
+          <p:cNvPr id="63" name="文本框 62"/>
+          <p:cNvSpPr txBox="1"/>
+          <p:nvPr/>
+        </p:nvSpPr>
+        <p:spPr>
+          <a:xfrm>
+            <a:off x="1636572" y="169333"/>
+            <a:ext cx="800219" cy="276999"/>
+          </a:xfrm>
+          <a:prstGeom prst="rect">
+            <a:avLst/>
+          </a:prstGeom>
+          <a:noFill/>
+        </p:spPr>
+        <p:txBody>
+          <a:bodyPr wrap="none" rtlCol="0">
+            <a:spAutoFit/>
+          </a:bodyPr>
+          <a:lstStyle/>
+          <a:p>
+            <a:r>
+              <a:rPr lang="zh-CN" altLang="en-US" sz="1200" dirty="0" smtClean="0">
+                <a:solidFill>
+                  <a:schemeClr val="bg1">
+                    <a:lumMod val="50000"/>
+                  </a:schemeClr>
+                </a:solidFill>
+                <a:latin typeface="+mj-lt"/>
+                <a:ea typeface="Arial Unicode MS" panose="020B0604020202020204" pitchFamily="34" charset="-122"/>
+                <a:cs typeface="Arial Unicode MS" panose="020B0604020202020204" pitchFamily="34" charset="-122"/>
+              </a:rPr>
+              <a:t>实验过程</a:t>
+            </a:r>
+            <a:endParaRPr lang="zh-CN" altLang="en-US" sz="1200" dirty="0">
+              <a:solidFill>
+                <a:schemeClr val="bg1">
+                  <a:lumMod val="50000"/>
+                </a:schemeClr>
+              </a:solidFill>
+              <a:latin typeface="+mj-lt"/>
+              <a:ea typeface="Arial Unicode MS" panose="020B0604020202020204" pitchFamily="34" charset="-122"/>
+              <a:cs typeface="Arial Unicode MS" panose="020B0604020202020204" pitchFamily="34" charset="-122"/>
+            </a:endParaRPr>
+          </a:p>
+        </p:txBody>
+      </p:sp>
+      <p:grpSp>
+        <p:nvGrpSpPr>
+          <p:cNvPr id="20" name="组合 56"/>
+          <p:cNvGrpSpPr/>
+          <p:nvPr/>
+        </p:nvGrpSpPr>
+        <p:grpSpPr>
+          <a:xfrm rot="16200000">
+            <a:off x="5052241" y="-305370"/>
+            <a:ext cx="6160530" cy="7663935"/>
+            <a:chOff x="3836179" y="1605097"/>
+            <a:chExt cx="2427515" cy="3431907"/>
+          </a:xfrm>
+          <a:noFill/>
+        </p:grpSpPr>
+        <p:sp>
+          <p:nvSpPr>
+            <p:cNvPr id="21" name="圆角矩形 20"/>
+            <p:cNvSpPr/>
+            <p:nvPr/>
+          </p:nvSpPr>
+          <p:spPr>
+            <a:xfrm>
+              <a:off x="3836179" y="1605097"/>
+              <a:ext cx="2427515" cy="3431907"/>
+            </a:xfrm>
+            <a:prstGeom prst="roundRect">
+              <a:avLst>
+                <a:gd name="adj" fmla="val 7292"/>
+              </a:avLst>
+            </a:prstGeom>
+            <a:solidFill>
+              <a:schemeClr val="bg1"/>
+            </a:solidFill>
+            <a:ln w="6350">
+              <a:solidFill>
+                <a:schemeClr val="bg1">
+                  <a:lumMod val="50000"/>
+                </a:schemeClr>
+              </a:solidFill>
+            </a:ln>
+          </p:spPr>
+          <p:style>
+            <a:lnRef idx="2">
+              <a:schemeClr val="accent1">
+                <a:shade val="50000"/>
+              </a:schemeClr>
+            </a:lnRef>
+            <a:fillRef idx="1">
+              <a:schemeClr val="accent1"/>
+            </a:fillRef>
+            <a:effectRef idx="0">
+              <a:schemeClr val="accent1"/>
+            </a:effectRef>
+            <a:fontRef idx="minor">
+              <a:schemeClr val="lt1"/>
+            </a:fontRef>
+          </p:style>
+          <p:txBody>
+            <a:bodyPr rtlCol="0" anchor="ctr"/>
+            <a:lstStyle/>
+            <a:p>
+              <a:pPr algn="ctr"/>
+              <a:endParaRPr lang="zh-CN" altLang="en-US"/>
+            </a:p>
+          </p:txBody>
+        </p:sp>
+        <p:sp>
+          <p:nvSpPr>
+            <p:cNvPr id="22" name="矩形 21"/>
+            <p:cNvSpPr/>
+            <p:nvPr/>
+          </p:nvSpPr>
+          <p:spPr>
+            <a:xfrm>
+              <a:off x="3977694" y="1899011"/>
+              <a:ext cx="2144486" cy="2861352"/>
+            </a:xfrm>
+            <a:prstGeom prst="rect">
+              <a:avLst/>
+            </a:prstGeom>
+            <a:solidFill>
+              <a:schemeClr val="bg1"/>
+            </a:solidFill>
+            <a:ln w="6350">
+              <a:solidFill>
+                <a:schemeClr val="bg1">
+                  <a:lumMod val="50000"/>
+                </a:schemeClr>
+              </a:solidFill>
+            </a:ln>
+          </p:spPr>
+          <p:style>
+            <a:lnRef idx="2">
+              <a:schemeClr val="accent1">
+                <a:shade val="50000"/>
+              </a:schemeClr>
+            </a:lnRef>
+            <a:fillRef idx="1">
+              <a:schemeClr val="accent1"/>
+            </a:fillRef>
+            <a:effectRef idx="0">
+              <a:schemeClr val="accent1"/>
+            </a:effectRef>
+            <a:fontRef idx="minor">
+              <a:schemeClr val="lt1"/>
+            </a:fontRef>
+          </p:style>
+          <p:txBody>
+            <a:bodyPr rtlCol="0" anchor="ctr"/>
+            <a:lstStyle/>
+            <a:p>
+              <a:pPr algn="ctr"/>
+              <a:endParaRPr lang="zh-CN" altLang="en-US"/>
+            </a:p>
+          </p:txBody>
+        </p:sp>
+        <p:sp>
+          <p:nvSpPr>
+            <p:cNvPr id="23" name="椭圆 22"/>
+            <p:cNvSpPr/>
+            <p:nvPr/>
+          </p:nvSpPr>
+          <p:spPr>
+            <a:xfrm>
+              <a:off x="5017373" y="1735722"/>
+              <a:ext cx="65315" cy="65315"/>
+            </a:xfrm>
+            <a:prstGeom prst="ellipse">
+              <a:avLst/>
+            </a:prstGeom>
+            <a:grpFill/>
+            <a:ln w="6350">
+              <a:solidFill>
+                <a:schemeClr val="bg1">
+                  <a:lumMod val="50000"/>
+                </a:schemeClr>
+              </a:solidFill>
+            </a:ln>
+          </p:spPr>
+          <p:style>
+            <a:lnRef idx="2">
+              <a:schemeClr val="accent1">
+                <a:shade val="50000"/>
+              </a:schemeClr>
+            </a:lnRef>
+            <a:fillRef idx="1">
+              <a:schemeClr val="accent1"/>
+            </a:fillRef>
+            <a:effectRef idx="0">
+              <a:schemeClr val="accent1"/>
+            </a:effectRef>
+            <a:fontRef idx="minor">
+              <a:schemeClr val="lt1"/>
+            </a:fontRef>
+          </p:style>
+          <p:txBody>
+            <a:bodyPr rtlCol="0" anchor="ctr"/>
+            <a:lstStyle/>
+            <a:p>
+              <a:pPr algn="ctr"/>
+              <a:endParaRPr lang="zh-CN" altLang="en-US"/>
+            </a:p>
+          </p:txBody>
+        </p:sp>
+        <p:grpSp>
+          <p:nvGrpSpPr>
+            <p:cNvPr id="24" name="组合 67"/>
+            <p:cNvGrpSpPr/>
+            <p:nvPr/>
+          </p:nvGrpSpPr>
+          <p:grpSpPr>
+            <a:xfrm>
+              <a:off x="4971745" y="4822650"/>
+              <a:ext cx="180000" cy="180000"/>
+              <a:chOff x="8084634" y="869795"/>
+              <a:chExt cx="1089631" cy="1089631"/>
+            </a:xfrm>
+            <a:grpFill/>
+          </p:grpSpPr>
+          <p:sp>
+            <p:nvSpPr>
+              <p:cNvPr id="26" name="椭圆 25"/>
+              <p:cNvSpPr/>
+              <p:nvPr/>
+            </p:nvSpPr>
+            <p:spPr>
+              <a:xfrm>
+                <a:off x="8084634" y="869795"/>
+                <a:ext cx="1089631" cy="1089631"/>
+              </a:xfrm>
+              <a:prstGeom prst="ellipse">
+                <a:avLst/>
+              </a:prstGeom>
+              <a:grpFill/>
+              <a:ln w="6350">
+                <a:solidFill>
+                  <a:schemeClr val="bg1">
+                    <a:lumMod val="50000"/>
+                  </a:schemeClr>
+                </a:solidFill>
+              </a:ln>
+            </p:spPr>
+            <p:style>
+              <a:lnRef idx="2">
+                <a:schemeClr val="accent1">
+                  <a:shade val="50000"/>
+                </a:schemeClr>
+              </a:lnRef>
+              <a:fillRef idx="1">
+                <a:schemeClr val="accent1"/>
+              </a:fillRef>
+              <a:effectRef idx="0">
+                <a:schemeClr val="accent1"/>
+              </a:effectRef>
+              <a:fontRef idx="minor">
+                <a:schemeClr val="lt1"/>
+              </a:fontRef>
+            </p:style>
+            <p:txBody>
+              <a:bodyPr rtlCol="0" anchor="ctr"/>
+              <a:lstStyle/>
+              <a:p>
+                <a:pPr algn="ctr"/>
+                <a:endParaRPr lang="zh-CN" altLang="en-US"/>
+              </a:p>
+            </p:txBody>
+          </p:sp>
+          <p:sp>
+            <p:nvSpPr>
+              <p:cNvPr id="27" name="圆角矩形 26"/>
+              <p:cNvSpPr/>
+              <p:nvPr/>
+            </p:nvSpPr>
+            <p:spPr>
+              <a:xfrm>
+                <a:off x="8389413" y="1174574"/>
+                <a:ext cx="480072" cy="480072"/>
+              </a:xfrm>
+              <a:prstGeom prst="roundRect">
+                <a:avLst/>
+              </a:prstGeom>
+              <a:grpFill/>
+              <a:ln w="6350">
+                <a:solidFill>
+                  <a:schemeClr val="bg1">
+                    <a:lumMod val="50000"/>
+                  </a:schemeClr>
+                </a:solidFill>
+              </a:ln>
+            </p:spPr>
+            <p:style>
+              <a:lnRef idx="2">
+                <a:schemeClr val="accent1">
+                  <a:shade val="50000"/>
+                </a:schemeClr>
+              </a:lnRef>
+              <a:fillRef idx="1">
+                <a:schemeClr val="accent1"/>
+              </a:fillRef>
+              <a:effectRef idx="0">
+                <a:schemeClr val="accent1"/>
+              </a:effectRef>
+              <a:fontRef idx="minor">
+                <a:schemeClr val="lt1"/>
+              </a:fontRef>
+            </p:style>
+            <p:txBody>
+              <a:bodyPr rtlCol="0" anchor="ctr"/>
+              <a:lstStyle/>
+              <a:p>
+                <a:pPr algn="ctr"/>
+                <a:endParaRPr lang="zh-CN" altLang="en-US"/>
+              </a:p>
+            </p:txBody>
+          </p:sp>
+        </p:grpSp>
+      </p:grpSp>
+      <p:sp>
+        <p:nvSpPr>
+          <p:cNvPr id="44" name="矩形 43"/>
+          <p:cNvSpPr/>
+          <p:nvPr/>
+        </p:nvSpPr>
+        <p:spPr>
+          <a:xfrm>
+            <a:off x="901226" y="4244435"/>
+            <a:ext cx="2683823" cy="45719"/>
+          </a:xfrm>
+          <a:prstGeom prst="rect">
+            <a:avLst/>
+          </a:prstGeom>
+          <a:solidFill>
+            <a:srgbClr val="3563A8"/>
+          </a:solidFill>
+          <a:ln>
+            <a:noFill/>
+          </a:ln>
+        </p:spPr>
+        <p:style>
+          <a:lnRef idx="2">
+            <a:schemeClr val="accent1">
+              <a:shade val="50000"/>
+            </a:schemeClr>
+          </a:lnRef>
+          <a:fillRef idx="1">
+            <a:schemeClr val="accent1"/>
+          </a:fillRef>
+          <a:effectRef idx="0">
+            <a:schemeClr val="accent1"/>
+          </a:effectRef>
+          <a:fontRef idx="minor">
+            <a:schemeClr val="lt1"/>
+          </a:fontRef>
+        </p:style>
+        <p:txBody>
+          <a:bodyPr rtlCol="0" anchor="ctr"/>
+          <a:lstStyle/>
+          <a:p>
+            <a:pPr algn="ctr"/>
+            <a:endParaRPr lang="zh-CN" altLang="en-US"/>
+          </a:p>
+        </p:txBody>
+      </p:sp>
+      <p:sp>
+        <p:nvSpPr>
+          <p:cNvPr id="46" name="矩形 45"/>
+          <p:cNvSpPr/>
+          <p:nvPr/>
+        </p:nvSpPr>
+        <p:spPr>
+          <a:xfrm>
+            <a:off x="1154242" y="2832587"/>
+            <a:ext cx="2454609" cy="338554"/>
+          </a:xfrm>
+          <a:prstGeom prst="rect">
+            <a:avLst/>
+          </a:prstGeom>
+        </p:spPr>
+        <p:txBody>
+          <a:bodyPr wrap="square">
+            <a:spAutoFit/>
+          </a:bodyPr>
+          <a:lstStyle/>
+          <a:p>
+            <a:r>
+              <a:rPr lang="en-US" altLang="zh-CN" sz="1600" dirty="0" smtClean="0"/>
+              <a:t>Testlab2</a:t>
+            </a:r>
+            <a:r>
+              <a:rPr lang="zh-CN" altLang="en-US" sz="1600" dirty="0"/>
+              <a:t>脚</a:t>
+            </a:r>
+            <a:r>
+              <a:rPr lang="zh-CN" altLang="en-US" sz="1600" dirty="0" smtClean="0"/>
+              <a:t>本测试结果</a:t>
+            </a:r>
+            <a:endParaRPr lang="en-US" altLang="zh-CN" sz="1600" dirty="0">
+              <a:solidFill>
+                <a:srgbClr val="3563A8"/>
+              </a:solidFill>
+            </a:endParaRPr>
+          </a:p>
+        </p:txBody>
+      </p:sp>
+      <p:pic>
+        <p:nvPicPr>
+          <p:cNvPr id="3" name="图片 2"/>
+          <p:cNvPicPr>
+            <a:picLocks noChangeAspect="1"/>
+          </p:cNvPicPr>
+          <p:nvPr/>
+        </p:nvPicPr>
+        <p:blipFill>
+          <a:blip r:embed="rId3">
+            <a:extLst>
+              <a:ext uri="{28A0092B-C50C-407E-A947-70E740481C1C}">
+                <a14:useLocalDpi xmlns:a14="http://schemas.microsoft.com/office/drawing/2010/main" val="0"/>
+              </a:ext>
+            </a:extLst>
+          </a:blip>
+          <a:stretch>
+            <a:fillRect/>
+          </a:stretch>
+        </p:blipFill>
+        <p:spPr>
+          <a:xfrm>
+            <a:off x="4956888" y="3171140"/>
+            <a:ext cx="6389806" cy="3059057"/>
+          </a:xfrm>
+          <a:prstGeom prst="rect">
+            <a:avLst/>
+          </a:prstGeom>
+        </p:spPr>
+      </p:pic>
+      <p:pic>
+        <p:nvPicPr>
+          <p:cNvPr id="4" name="图片 3"/>
+          <p:cNvPicPr>
+            <a:picLocks noChangeAspect="1"/>
+          </p:cNvPicPr>
+          <p:nvPr/>
+        </p:nvPicPr>
+        <p:blipFill>
+          <a:blip r:embed="rId4">
+            <a:extLst>
+              <a:ext uri="{28A0092B-C50C-407E-A947-70E740481C1C}">
+                <a14:useLocalDpi xmlns:a14="http://schemas.microsoft.com/office/drawing/2010/main" val="0"/>
+              </a:ext>
+            </a:extLst>
+          </a:blip>
+          <a:stretch>
+            <a:fillRect/>
+          </a:stretch>
+        </p:blipFill>
+        <p:spPr>
+          <a:xfrm>
+            <a:off x="4956888" y="805464"/>
+            <a:ext cx="5661638" cy="2348145"/>
+          </a:xfrm>
+          <a:prstGeom prst="rect">
+            <a:avLst/>
+          </a:prstGeom>
+        </p:spPr>
+      </p:pic>
+    </p:spTree>
+    <p:extLst>
+      <p:ext uri="{BB962C8B-B14F-4D97-AF65-F5344CB8AC3E}">
+        <p14:creationId xmlns:p14="http://schemas.microsoft.com/office/powerpoint/2010/main" val="484866819"/>
+      </p:ext>
+    </p:extLst>
+  </p:cSld>
+  <p:clrMapOvr>
+    <a:masterClrMapping/>
+  </p:clrMapOvr>
+  <p:transition spd="slow">
+    <p:push dir="u"/>
+  </p:transition>
+  <p:timing>
+    <p:tnLst>
+      <p:par>
+        <p:cTn id="1" dur="indefinite" restart="never" nodeType="tmRoot"/>
+      </p:par>
+    </p:tnLst>
+  </p:timing>
+</p:sld>
+</file>
+
+<file path=ppt/slides/slide12.xml><?xml version="1.0" encoding="utf-8"?>
+<p:sld xmlns:a="http://schemas.openxmlformats.org/drawingml/2006/main" xmlns:r="http://schemas.openxmlformats.org/officeDocument/2006/relationships" xmlns:p="http://schemas.openxmlformats.org/presentationml/2006/main">
+  <p:cSld>
+    <p:spTree>
+      <p:nvGrpSpPr>
+        <p:cNvPr id="1" name=""/>
+        <p:cNvGrpSpPr/>
+        <p:nvPr/>
+      </p:nvGrpSpPr>
+      <p:grpSpPr>
+        <a:xfrm>
+          <a:off x="0" y="0"/>
+          <a:ext cx="0" cy="0"/>
+          <a:chOff x="0" y="0"/>
+          <a:chExt cx="0" cy="0"/>
+        </a:xfrm>
+      </p:grpSpPr>
+      <p:sp>
+        <p:nvSpPr>
+          <p:cNvPr id="16" name="文本框 15"/>
+          <p:cNvSpPr txBox="1"/>
+          <p:nvPr/>
+        </p:nvSpPr>
+        <p:spPr>
+          <a:xfrm>
+            <a:off x="3393064" y="784334"/>
+            <a:ext cx="4837216" cy="461665"/>
+          </a:xfrm>
+          <a:prstGeom prst="rect">
+            <a:avLst/>
+          </a:prstGeom>
+          <a:noFill/>
+        </p:spPr>
+        <p:txBody>
+          <a:bodyPr wrap="square" rtlCol="0">
+            <a:spAutoFit/>
+          </a:bodyPr>
+          <a:lstStyle/>
+          <a:p>
+            <a:pPr algn="ctr"/>
+            <a:r>
+              <a:rPr lang="zh-CN" altLang="en-US" sz="2400" b="1" dirty="0" smtClean="0">
+                <a:solidFill>
+                  <a:srgbClr val="3563A8"/>
+                </a:solidFill>
+              </a:rPr>
+              <a:t>结果分析</a:t>
+            </a:r>
+            <a:endParaRPr lang="zh-CN" altLang="en-US" sz="2400" b="1" dirty="0">
+              <a:solidFill>
+                <a:srgbClr val="3563A8"/>
+              </a:solidFill>
+            </a:endParaRPr>
+          </a:p>
+        </p:txBody>
+      </p:sp>
+      <p:sp>
+        <p:nvSpPr>
+          <p:cNvPr id="22" name="矩形 21"/>
+          <p:cNvSpPr/>
+          <p:nvPr/>
+        </p:nvSpPr>
+        <p:spPr>
+          <a:xfrm>
+            <a:off x="2540856" y="2520494"/>
+            <a:ext cx="6809205" cy="2052288"/>
+          </a:xfrm>
+          <a:prstGeom prst="rect">
+            <a:avLst/>
+          </a:prstGeom>
+        </p:spPr>
+        <p:txBody>
+          <a:bodyPr wrap="square" tIns="36000">
+            <a:spAutoFit/>
+          </a:bodyPr>
+          <a:lstStyle/>
+          <a:p>
+            <a:pPr algn="ctr"/>
+            <a:r>
+              <a:rPr lang="zh-CN" altLang="zh-CN" sz="2000" b="1" dirty="0"/>
+              <a:t>应用程序如何调用系统调用</a:t>
+            </a:r>
+            <a:endParaRPr lang="zh-CN" altLang="zh-CN" sz="2000" dirty="0"/>
+          </a:p>
+          <a:p>
+            <a:pPr algn="just"/>
+            <a:r>
+              <a:rPr lang="zh-CN" altLang="zh-CN" dirty="0"/>
+              <a:t>在通常情况下，调用系统调用和调用一个普通的自定义函数在代码上并没有什么区别，但调用后发生的事情有很大不同。调用自定义函数是通过</a:t>
+            </a:r>
+            <a:r>
+              <a:rPr lang="en-US" altLang="zh-CN" dirty="0"/>
+              <a:t>call</a:t>
+            </a:r>
+            <a:r>
+              <a:rPr lang="zh-CN" altLang="zh-CN" dirty="0"/>
+              <a:t>指令直接跳转到该函数的地址，继续运行。而调用系统调用，是调用系统库中为该系统调用编写的一个接口</a:t>
+            </a:r>
+            <a:r>
+              <a:rPr lang="zh-CN" altLang="zh-CN" dirty="0" smtClean="0"/>
+              <a:t>函数</a:t>
+            </a:r>
+            <a:r>
+              <a:rPr lang="zh-CN" altLang="en-US" dirty="0" smtClean="0"/>
+              <a:t>，即</a:t>
+            </a:r>
+            <a:r>
+              <a:rPr lang="en-US" altLang="zh-CN" dirty="0" smtClean="0"/>
+              <a:t>API</a:t>
+            </a:r>
+            <a:r>
+              <a:rPr lang="zh-CN" altLang="zh-CN" dirty="0" smtClean="0"/>
+              <a:t>。</a:t>
+            </a:r>
+            <a:r>
+              <a:rPr lang="en-US" altLang="zh-CN" dirty="0"/>
+              <a:t>API</a:t>
+            </a:r>
+            <a:r>
+              <a:rPr lang="zh-CN" altLang="zh-CN" dirty="0"/>
+              <a:t>并不能完成系统调用的真正功能，它要做的是去调用真正的系统</a:t>
+            </a:r>
+            <a:r>
+              <a:rPr lang="zh-CN" altLang="zh-CN" dirty="0" smtClean="0"/>
+              <a:t>调用</a:t>
+            </a:r>
+            <a:r>
+              <a:rPr lang="zh-CN" altLang="en-US" dirty="0" smtClean="0"/>
+              <a:t>。其执行过程就是本实验的执行过程。</a:t>
+            </a:r>
+            <a:endParaRPr lang="zh-CN" altLang="en-US" dirty="0">
+              <a:solidFill>
+                <a:schemeClr val="tx1">
+                  <a:lumMod val="75000"/>
+                  <a:lumOff val="25000"/>
+                </a:schemeClr>
+              </a:solidFill>
+              <a:latin typeface="华文细黑" panose="02010600040101010101" pitchFamily="2" charset="-122"/>
+              <a:ea typeface="华文细黑" panose="02010600040101010101" pitchFamily="2" charset="-122"/>
+              <a:cs typeface="+mn-ea"/>
+            </a:endParaRPr>
+          </a:p>
+        </p:txBody>
+      </p:sp>
+      <p:grpSp>
+        <p:nvGrpSpPr>
+          <p:cNvPr id="25" name="组合 6"/>
+          <p:cNvGrpSpPr/>
+          <p:nvPr/>
+        </p:nvGrpSpPr>
+        <p:grpSpPr>
+          <a:xfrm>
+            <a:off x="1016595" y="147812"/>
+            <a:ext cx="596638" cy="320040"/>
+            <a:chOff x="1016595" y="147812"/>
+            <a:chExt cx="596638" cy="320040"/>
+          </a:xfrm>
+        </p:grpSpPr>
+        <p:cxnSp>
+          <p:nvCxnSpPr>
+            <p:cNvPr id="26" name="直接连接符 2"/>
+            <p:cNvCxnSpPr/>
+            <p:nvPr/>
+          </p:nvCxnSpPr>
+          <p:spPr>
+            <a:xfrm>
+              <a:off x="1611727" y="147812"/>
+              <a:ext cx="0" cy="320040"/>
+            </a:xfrm>
+            <a:prstGeom prst="line">
+              <a:avLst/>
+            </a:prstGeom>
+            <a:ln>
+              <a:solidFill>
+                <a:srgbClr val="3563A8"/>
+              </a:solidFill>
+            </a:ln>
+          </p:spPr>
+          <p:style>
+            <a:lnRef idx="1">
+              <a:schemeClr val="accent1"/>
+            </a:lnRef>
+            <a:fillRef idx="0">
+              <a:schemeClr val="accent1"/>
+            </a:fillRef>
+            <a:effectRef idx="0">
+              <a:schemeClr val="accent1"/>
+            </a:effectRef>
+            <a:fontRef idx="minor">
+              <a:schemeClr val="tx1"/>
+            </a:fontRef>
+          </p:style>
+        </p:cxnSp>
+        <p:sp>
+          <p:nvSpPr>
+            <p:cNvPr id="27" name="文本框 26"/>
+            <p:cNvSpPr txBox="1"/>
+            <p:nvPr/>
+          </p:nvSpPr>
+          <p:spPr>
+            <a:xfrm>
+              <a:off x="1016595" y="169333"/>
+              <a:ext cx="596638" cy="276999"/>
+            </a:xfrm>
+            <a:prstGeom prst="rect">
+              <a:avLst/>
+            </a:prstGeom>
+            <a:noFill/>
+          </p:spPr>
+          <p:txBody>
+            <a:bodyPr wrap="none" rtlCol="0">
+              <a:spAutoFit/>
+            </a:bodyPr>
+            <a:lstStyle/>
+            <a:p>
+              <a:r>
+                <a:rPr lang="en-US" altLang="zh-CN" sz="1200" dirty="0" smtClean="0">
+                  <a:solidFill>
+                    <a:srgbClr val="3563A8"/>
+                  </a:solidFill>
+                  <a:latin typeface="+mj-lt"/>
+                  <a:ea typeface="Arial Unicode MS" panose="020B0604020202020204" pitchFamily="34" charset="-122"/>
+                  <a:cs typeface="Arial Unicode MS" panose="020B0604020202020204" pitchFamily="34" charset="-122"/>
+                </a:rPr>
+                <a:t>M</a:t>
+              </a:r>
+              <a:r>
+                <a:rPr lang="zh-CN" altLang="en-US" sz="1200" dirty="0" smtClean="0">
+                  <a:solidFill>
+                    <a:srgbClr val="3563A8"/>
+                  </a:solidFill>
+                  <a:latin typeface="+mj-lt"/>
+                  <a:ea typeface="Arial Unicode MS" panose="020B0604020202020204" pitchFamily="34" charset="-122"/>
+                  <a:cs typeface="Arial Unicode MS" panose="020B0604020202020204" pitchFamily="34" charset="-122"/>
+                </a:rPr>
+                <a:t> </a:t>
+              </a:r>
+              <a:r>
+                <a:rPr lang="en-US" altLang="zh-CN" sz="1200" dirty="0" smtClean="0">
+                  <a:solidFill>
+                    <a:srgbClr val="3563A8"/>
+                  </a:solidFill>
+                  <a:latin typeface="+mj-lt"/>
+                  <a:ea typeface="Arial Unicode MS" panose="020B0604020202020204" pitchFamily="34" charset="-122"/>
+                  <a:cs typeface="Arial Unicode MS" panose="020B0604020202020204" pitchFamily="34" charset="-122"/>
+                </a:rPr>
+                <a:t>I</a:t>
+              </a:r>
+              <a:r>
+                <a:rPr lang="zh-CN" altLang="en-US" sz="1200" dirty="0" smtClean="0">
+                  <a:solidFill>
+                    <a:srgbClr val="3563A8"/>
+                  </a:solidFill>
+                  <a:latin typeface="+mj-lt"/>
+                  <a:ea typeface="Arial Unicode MS" panose="020B0604020202020204" pitchFamily="34" charset="-122"/>
+                  <a:cs typeface="Arial Unicode MS" panose="020B0604020202020204" pitchFamily="34" charset="-122"/>
+                </a:rPr>
+                <a:t>  </a:t>
+              </a:r>
+              <a:r>
+                <a:rPr lang="en-US" altLang="zh-CN" sz="1200" dirty="0" smtClean="0">
+                  <a:solidFill>
+                    <a:srgbClr val="3563A8"/>
+                  </a:solidFill>
+                  <a:latin typeface="+mj-lt"/>
+                  <a:ea typeface="Arial Unicode MS" panose="020B0604020202020204" pitchFamily="34" charset="-122"/>
+                  <a:cs typeface="Arial Unicode MS" panose="020B0604020202020204" pitchFamily="34" charset="-122"/>
+                </a:rPr>
+                <a:t>C</a:t>
+              </a:r>
+              <a:endParaRPr lang="zh-CN" altLang="en-US" sz="1200" dirty="0">
+                <a:solidFill>
+                  <a:srgbClr val="3563A8"/>
+                </a:solidFill>
+                <a:latin typeface="+mj-lt"/>
+                <a:ea typeface="Arial Unicode MS" panose="020B0604020202020204" pitchFamily="34" charset="-122"/>
+                <a:cs typeface="Arial Unicode MS" panose="020B0604020202020204" pitchFamily="34" charset="-122"/>
+              </a:endParaRPr>
+            </a:p>
+          </p:txBody>
+        </p:sp>
+      </p:grpSp>
+      <p:sp>
+        <p:nvSpPr>
+          <p:cNvPr id="28" name="矩形 27"/>
+          <p:cNvSpPr/>
+          <p:nvPr/>
+        </p:nvSpPr>
+        <p:spPr>
+          <a:xfrm>
+            <a:off x="4469760" y="1516251"/>
+            <a:ext cx="2683823" cy="47501"/>
+          </a:xfrm>
+          <a:prstGeom prst="rect">
+            <a:avLst/>
+          </a:prstGeom>
+          <a:solidFill>
+            <a:srgbClr val="3563A8"/>
+          </a:solidFill>
+          <a:ln>
+            <a:noFill/>
+          </a:ln>
+        </p:spPr>
+        <p:style>
+          <a:lnRef idx="2">
+            <a:schemeClr val="accent1">
+              <a:shade val="50000"/>
+            </a:schemeClr>
+          </a:lnRef>
+          <a:fillRef idx="1">
+            <a:schemeClr val="accent1"/>
+          </a:fillRef>
+          <a:effectRef idx="0">
+            <a:schemeClr val="accent1"/>
+          </a:effectRef>
+          <a:fontRef idx="minor">
+            <a:schemeClr val="lt1"/>
+          </a:fontRef>
+        </p:style>
+        <p:txBody>
+          <a:bodyPr rtlCol="0" anchor="ctr"/>
+          <a:lstStyle/>
+          <a:p>
+            <a:pPr algn="ctr"/>
+            <a:endParaRPr lang="zh-CN" altLang="en-US"/>
+          </a:p>
+        </p:txBody>
+      </p:sp>
+    </p:spTree>
+    <p:extLst>
+      <p:ext uri="{BB962C8B-B14F-4D97-AF65-F5344CB8AC3E}">
+        <p14:creationId xmlns:p14="http://schemas.microsoft.com/office/powerpoint/2010/main" val="1038150982"/>
+      </p:ext>
+    </p:extLst>
+  </p:cSld>
+  <p:clrMapOvr>
+    <a:masterClrMapping/>
+  </p:clrMapOvr>
+  <p:transition spd="slow">
+    <p:push dir="u"/>
+  </p:transition>
+  <p:timing>
+    <p:tnLst>
+      <p:par>
+        <p:cTn id="1" dur="indefinite" restart="never" nodeType="tmRoot"/>
+      </p:par>
+    </p:tnLst>
+  </p:timing>
+</p:sld>
+</file>
+
+<file path=ppt/slides/slide13.xml><?xml version="1.0" encoding="utf-8"?>
 <p:sld xmlns:a="http://schemas.openxmlformats.org/drawingml/2006/main" xmlns:r="http://schemas.openxmlformats.org/officeDocument/2006/relationships" xmlns:p="http://schemas.openxmlformats.org/presentationml/2006/main">
   <p:cSld>
     <p:spTree>
@@ -12931,11 +15005,7 @@
             </a:r>
             <a:r>
               <a:rPr lang="zh-CN" altLang="zh-CN" sz="1400" dirty="0"/>
-              <a:t>对应的宏进行扩充</a:t>
-            </a:r>
-            <a:r>
-              <a:rPr lang="zh-CN" altLang="zh-CN" sz="1400" dirty="0"/>
-              <a:t> </a:t>
+              <a:t>对应的宏进行扩充 </a:t>
             </a:r>
             <a:r>
               <a:rPr lang="en-US" altLang="zh-CN" sz="1400" dirty="0" smtClean="0"/>
@@ -12973,11 +15043,7 @@
             </a:r>
             <a:r>
               <a:rPr lang="zh-CN" altLang="zh-CN" sz="1400" dirty="0"/>
-              <a:t>内核完全注释》中提到的系统调用门的办法</a:t>
-            </a:r>
-            <a:r>
-              <a:rPr lang="zh-CN" altLang="zh-CN" sz="1400" dirty="0"/>
-              <a:t> </a:t>
+              <a:t>内核完全注释》中提到的系统调用门的办法 </a:t>
             </a:r>
             <a:r>
               <a:rPr lang="en-US" altLang="zh-CN" sz="1400" dirty="0" smtClean="0"/>
@@ -13007,11 +15073,7 @@
             </a:r>
             <a:r>
               <a:rPr lang="zh-CN" altLang="zh-CN" sz="1400" dirty="0"/>
-              <a:t>先将所有参数连续地存放在一个预留出的用户地址内存区域内</a:t>
-            </a:r>
-            <a:r>
-              <a:rPr lang="zh-CN" altLang="zh-CN" sz="1400" dirty="0"/>
-              <a:t> </a:t>
+              <a:t>先将所有参数连续地存放在一个预留出的用户地址内存区域内 </a:t>
             </a:r>
             <a:r>
               <a:rPr lang="en-US" altLang="zh-CN" sz="1400" dirty="0" smtClean="0"/>
@@ -13103,11 +15165,11 @@
             </a:r>
             <a:r>
               <a:rPr lang="zh-CN" altLang="zh-CN" sz="1400" dirty="0"/>
-              <a:t>的功能号</a:t>
-            </a:r>
-            <a:r>
-              <a:rPr lang="zh-CN" altLang="zh-CN" sz="1400" dirty="0"/>
-              <a:t> </a:t>
+              <a:t>的</a:t>
+            </a:r>
+            <a:r>
+              <a:rPr lang="zh-CN" altLang="zh-CN" sz="1400" dirty="0" smtClean="0"/>
+              <a:t>功能号</a:t>
             </a:r>
             <a:r>
               <a:rPr lang="zh-CN" altLang="en-US" sz="1400" dirty="0" smtClean="0"/>
@@ -13183,11 +15245,7 @@
             </a:r>
             <a:r>
               <a:rPr lang="zh-CN" altLang="zh-CN" sz="1400" dirty="0"/>
-              <a:t>与内核其它代码编译链接到一起</a:t>
-            </a:r>
-            <a:r>
-              <a:rPr lang="zh-CN" altLang="zh-CN" sz="1400" dirty="0"/>
-              <a:t> </a:t>
+              <a:t>与内核其它代码编译链接到一起 </a:t>
             </a:r>
             <a:r>
               <a:rPr lang="zh-CN" altLang="zh-CN" sz="1400" dirty="0" smtClean="0"/>
@@ -13394,7 +15452,7 @@
     </p:spTree>
     <p:extLst>
       <p:ext uri="{BB962C8B-B14F-4D97-AF65-F5344CB8AC3E}">
-        <p14:creationId xmlns:p14="http://schemas.microsoft.com/office/powerpoint/2010/main" val="1038150982"/>
+        <p14:creationId xmlns:p14="http://schemas.microsoft.com/office/powerpoint/2010/main" val="486104237"/>
       </p:ext>
     </p:extLst>
   </p:cSld>
@@ -13414,7 +15472,7 @@
 </p:sld>
 </file>
 
-<file path=ppt/slides/slide11.xml><?xml version="1.0" encoding="utf-8"?>
+<file path=ppt/slides/slide14.xml><?xml version="1.0" encoding="utf-8"?>
 <p:sld xmlns:a="http://schemas.openxmlformats.org/drawingml/2006/main" xmlns:r="http://schemas.openxmlformats.org/officeDocument/2006/relationships" xmlns:p="http://schemas.openxmlformats.org/presentationml/2006/main">
   <p:cSld>
     <p:spTree>
@@ -13774,13 +15832,38 @@
                 <a:cs typeface="+mn-ea"/>
                 <a:sym typeface="+mn-lt"/>
               </a:rPr>
-              <a:t>通过这次实验我们基本了解了操作系统西东调用的基本流程，</a:t>
+              <a:t>通过这次实验我们基本了解</a:t>
+            </a:r>
+            <a:r>
+              <a:rPr lang="zh-CN" altLang="en-US" sz="2000" smtClean="0">
+                <a:solidFill>
+                  <a:prstClr val="black">
+                    <a:lumMod val="75000"/>
+                    <a:lumOff val="25000"/>
+                  </a:prstClr>
+                </a:solidFill>
+                <a:cs typeface="+mn-ea"/>
+                <a:sym typeface="+mn-lt"/>
+              </a:rPr>
+              <a:t>了操作系统系统调用</a:t>
+            </a:r>
+            <a:r>
+              <a:rPr lang="zh-CN" altLang="en-US" sz="2000" dirty="0" smtClean="0">
+                <a:solidFill>
+                  <a:prstClr val="black">
+                    <a:lumMod val="75000"/>
+                    <a:lumOff val="25000"/>
+                  </a:prstClr>
+                </a:solidFill>
+                <a:cs typeface="+mn-ea"/>
+                <a:sym typeface="+mn-lt"/>
+              </a:rPr>
+              <a:t>的基本流程，</a:t>
             </a:r>
             <a:r>
               <a:rPr lang="zh-CN" altLang="en-US" sz="2000" dirty="0"/>
               <a:t>也知道了计算机操作系统是铺设在计算机硬件上的多层系统软件，不仅增强了系统的功能，而且还隐藏了对硬件操作的细节，由它实现了对计算机硬件操作的多层次的抽象。</a:t>
             </a:r>
-            <a:endParaRPr lang="zh-CN" altLang="en-US" sz="2000" dirty="0"/>
           </a:p>
         </p:txBody>
       </p:sp>
@@ -13984,7 +16067,7 @@
 </p:sld>
 </file>
 
-<file path=ppt/slides/slide12.xml><?xml version="1.0" encoding="utf-8"?>
+<file path=ppt/slides/slide15.xml><?xml version="1.0" encoding="utf-8"?>
 <p:sld xmlns:a="http://schemas.openxmlformats.org/drawingml/2006/main" xmlns:r="http://schemas.openxmlformats.org/officeDocument/2006/relationships" xmlns:p="http://schemas.openxmlformats.org/presentationml/2006/main">
   <p:cSld>
     <p:spTree>
@@ -19890,19 +21973,24 @@
               </a:lnSpc>
             </a:pPr>
             <a:r>
-              <a:rPr lang="zh-TW" altLang="zh-CN" sz="1400" dirty="0"/>
+              <a:rPr lang="zh-TW" altLang="zh-CN" sz="1400" dirty="0">
+                <a:solidFill>
+                  <a:srgbClr val="FF0000"/>
+                </a:solidFill>
+              </a:rPr>
               <a:t>掌握系统调用的基本过程</a:t>
             </a:r>
             <a:r>
-              <a:rPr lang="zh-CN" altLang="zh-CN" sz="1400" dirty="0"/>
+              <a:rPr lang="zh-CN" altLang="zh-CN" sz="1400" dirty="0">
+                <a:solidFill>
+                  <a:srgbClr val="FF0000"/>
+                </a:solidFill>
+              </a:rPr>
               <a:t> </a:t>
             </a:r>
             <a:endParaRPr lang="zh-CN" altLang="en-US" sz="1400" dirty="0">
               <a:solidFill>
-                <a:schemeClr val="tx1">
-                  <a:lumMod val="75000"/>
-                  <a:lumOff val="25000"/>
-                </a:schemeClr>
+                <a:srgbClr val="FF0000"/>
               </a:solidFill>
               <a:cs typeface="+mn-ea"/>
             </a:endParaRPr>
@@ -19941,19 +22029,24 @@
               </a:lnSpc>
             </a:pPr>
             <a:r>
-              <a:rPr lang="zh-TW" altLang="zh-CN" sz="1400" dirty="0"/>
+              <a:rPr lang="zh-TW" altLang="zh-CN" sz="1400" dirty="0">
+                <a:solidFill>
+                  <a:srgbClr val="FF0000"/>
+                </a:solidFill>
+              </a:rPr>
               <a:t>为后续实验做准备</a:t>
             </a:r>
             <a:r>
-              <a:rPr lang="zh-CN" altLang="zh-CN" sz="1400" dirty="0"/>
+              <a:rPr lang="zh-CN" altLang="zh-CN" sz="1400" dirty="0">
+                <a:solidFill>
+                  <a:srgbClr val="FF0000"/>
+                </a:solidFill>
+              </a:rPr>
               <a:t> </a:t>
             </a:r>
             <a:endParaRPr lang="zh-CN" altLang="en-US" sz="1400" dirty="0">
               <a:solidFill>
-                <a:schemeClr val="tx1">
-                  <a:lumMod val="75000"/>
-                  <a:lumOff val="25000"/>
-                </a:schemeClr>
+                <a:srgbClr val="FF0000"/>
               </a:solidFill>
               <a:cs typeface="+mn-ea"/>
             </a:endParaRPr>
@@ -19992,19 +22085,24 @@
               </a:lnSpc>
             </a:pPr>
             <a:r>
-              <a:rPr lang="zh-TW" altLang="zh-CN" sz="1400" dirty="0"/>
+              <a:rPr lang="zh-TW" altLang="zh-CN" sz="1400" dirty="0">
+                <a:solidFill>
+                  <a:srgbClr val="FF0000"/>
+                </a:solidFill>
+              </a:rPr>
               <a:t>能完成系统调用的全面控制</a:t>
             </a:r>
             <a:r>
-              <a:rPr lang="zh-CN" altLang="zh-CN" sz="1400" dirty="0"/>
+              <a:rPr lang="zh-CN" altLang="zh-CN" sz="1400" dirty="0">
+                <a:solidFill>
+                  <a:srgbClr val="FF0000"/>
+                </a:solidFill>
+              </a:rPr>
               <a:t> </a:t>
             </a:r>
             <a:endParaRPr lang="zh-CN" altLang="en-US" sz="1400" dirty="0">
               <a:solidFill>
-                <a:schemeClr val="tx1">
-                  <a:lumMod val="75000"/>
-                  <a:lumOff val="25000"/>
-                </a:schemeClr>
+                <a:srgbClr val="FF0000"/>
               </a:solidFill>
               <a:cs typeface="+mn-ea"/>
             </a:endParaRPr>
@@ -20090,19 +22188,24 @@
               </a:lnSpc>
             </a:pPr>
             <a:r>
-              <a:rPr lang="zh-TW" altLang="zh-CN" sz="1400" dirty="0"/>
+              <a:rPr lang="zh-TW" altLang="zh-CN" sz="1400" dirty="0">
+                <a:solidFill>
+                  <a:srgbClr val="FF0000"/>
+                </a:solidFill>
+              </a:rPr>
               <a:t>建立对系统调用接口的深入认识</a:t>
             </a:r>
             <a:r>
-              <a:rPr lang="zh-CN" altLang="zh-CN" sz="1400" dirty="0"/>
+              <a:rPr lang="zh-CN" altLang="zh-CN" sz="1400" dirty="0">
+                <a:solidFill>
+                  <a:srgbClr val="FF0000"/>
+                </a:solidFill>
+              </a:rPr>
               <a:t> </a:t>
             </a:r>
             <a:endParaRPr lang="zh-CN" altLang="en-US" sz="1400" dirty="0">
               <a:solidFill>
-                <a:schemeClr val="tx1">
-                  <a:lumMod val="75000"/>
-                  <a:lumOff val="25000"/>
-                </a:schemeClr>
+                <a:srgbClr val="FF0000"/>
               </a:solidFill>
               <a:cs typeface="+mn-ea"/>
             </a:endParaRPr>
@@ -21035,20 +23138,40 @@
               <a:t>);</a:t>
             </a:r>
             <a:r>
-              <a:rPr lang="zh-TW" altLang="zh-CN" sz="1200" dirty="0" smtClean="0"/>
+              <a:rPr lang="zh-TW" altLang="zh-CN" sz="1200" dirty="0" smtClean="0">
+                <a:solidFill>
+                  <a:srgbClr val="FF0000"/>
+                </a:solidFill>
+              </a:rPr>
               <a:t>完成</a:t>
             </a:r>
             <a:r>
+              <a:rPr lang="zh-TW" altLang="zh-CN" sz="1200" dirty="0">
+                <a:solidFill>
+                  <a:srgbClr val="FF0000"/>
+                </a:solidFill>
+              </a:rPr>
+              <a:t>的功能是将字符串参数</a:t>
+            </a:r>
+            <a:r>
+              <a:rPr lang="en-US" altLang="zh-CN" sz="1200" dirty="0">
+                <a:solidFill>
+                  <a:srgbClr val="FF0000"/>
+                </a:solidFill>
+              </a:rPr>
+              <a:t>name</a:t>
+            </a:r>
+            <a:r>
+              <a:rPr lang="zh-TW" altLang="zh-CN" sz="1200" dirty="0">
+                <a:solidFill>
+                  <a:srgbClr val="FF0000"/>
+                </a:solidFill>
+              </a:rPr>
+              <a:t>的内容拷贝到内核中保存下来。</a:t>
+            </a:r>
+            <a:r>
               <a:rPr lang="zh-TW" altLang="zh-CN" sz="1200" dirty="0"/>
-              <a:t>的功能是将字符串参数</a:t>
-            </a:r>
-            <a:r>
-              <a:rPr lang="en-US" altLang="zh-CN" sz="1200" dirty="0"/>
-              <a:t>name</a:t>
-            </a:r>
-            <a:r>
-              <a:rPr lang="zh-TW" altLang="zh-CN" sz="1200" dirty="0"/>
-              <a:t>的内容拷贝到内核中保存下来。要求</a:t>
+              <a:t>要求</a:t>
             </a:r>
             <a:r>
               <a:rPr lang="en-US" altLang="zh-CN" sz="1200" dirty="0"/>
@@ -21435,47 +23558,99 @@
               <a:t> </a:t>
             </a:r>
             <a:r>
+              <a:rPr lang="zh-TW" altLang="zh-CN" sz="1200" dirty="0" smtClean="0">
+                <a:solidFill>
+                  <a:srgbClr val="FF0000"/>
+                </a:solidFill>
+              </a:rPr>
+              <a:t>它</a:t>
+            </a:r>
+            <a:r>
+              <a:rPr lang="zh-TW" altLang="zh-CN" sz="1200" dirty="0">
+                <a:solidFill>
+                  <a:srgbClr val="FF0000"/>
+                </a:solidFill>
+              </a:rPr>
+              <a:t>将内核中由</a:t>
+            </a:r>
+            <a:r>
+              <a:rPr lang="en-US" altLang="zh-CN" sz="1200" dirty="0" err="1">
+                <a:solidFill>
+                  <a:srgbClr val="FF0000"/>
+                </a:solidFill>
+              </a:rPr>
+              <a:t>iam</a:t>
+            </a:r>
+            <a:r>
+              <a:rPr lang="en-US" altLang="zh-CN" sz="1200" dirty="0">
+                <a:solidFill>
+                  <a:srgbClr val="FF0000"/>
+                </a:solidFill>
+              </a:rPr>
+              <a:t>()</a:t>
+            </a:r>
+            <a:r>
+              <a:rPr lang="zh-TW" altLang="zh-CN" sz="1200" dirty="0">
+                <a:solidFill>
+                  <a:srgbClr val="FF0000"/>
+                </a:solidFill>
+              </a:rPr>
+              <a:t>保存的名字拷贝到</a:t>
+            </a:r>
+            <a:r>
+              <a:rPr lang="en-US" altLang="zh-CN" sz="1200" dirty="0">
+                <a:solidFill>
+                  <a:srgbClr val="FF0000"/>
+                </a:solidFill>
+              </a:rPr>
+              <a:t>name</a:t>
+            </a:r>
+            <a:r>
+              <a:rPr lang="zh-TW" altLang="zh-CN" sz="1200" dirty="0">
+                <a:solidFill>
+                  <a:srgbClr val="FF0000"/>
+                </a:solidFill>
+              </a:rPr>
+              <a:t>指向的用户地址空间中，同时确保不会对</a:t>
+            </a:r>
+            <a:r>
+              <a:rPr lang="en-US" altLang="zh-CN" sz="1200" dirty="0">
+                <a:solidFill>
+                  <a:srgbClr val="FF0000"/>
+                </a:solidFill>
+              </a:rPr>
+              <a:t>name</a:t>
+            </a:r>
+            <a:r>
+              <a:rPr lang="zh-TW" altLang="zh-CN" sz="1200" dirty="0">
+                <a:solidFill>
+                  <a:srgbClr val="FF0000"/>
+                </a:solidFill>
+              </a:rPr>
+              <a:t>越界</a:t>
+            </a:r>
+            <a:r>
+              <a:rPr lang="zh-TW" altLang="zh-CN" sz="1200" dirty="0" smtClean="0">
+                <a:solidFill>
+                  <a:srgbClr val="FF0000"/>
+                </a:solidFill>
+              </a:rPr>
+              <a:t>访</a:t>
+            </a:r>
+            <a:r>
+              <a:rPr lang="zh-CN" altLang="en-US" sz="1200" dirty="0" smtClean="0">
+                <a:solidFill>
+                  <a:srgbClr val="FF0000"/>
+                </a:solidFill>
+              </a:rPr>
+              <a:t>问</a:t>
+            </a:r>
+            <a:r>
               <a:rPr lang="zh-TW" altLang="zh-CN" sz="1200" dirty="0" smtClean="0"/>
-              <a:t>它</a:t>
-            </a:r>
-            <a:r>
-              <a:rPr lang="zh-TW" altLang="zh-CN" sz="1200" dirty="0"/>
-              <a:t>将内核中由</a:t>
-            </a:r>
-            <a:r>
-              <a:rPr lang="en-US" altLang="zh-CN" sz="1200" dirty="0" err="1"/>
-              <a:t>iam</a:t>
-            </a:r>
-            <a:r>
-              <a:rPr lang="en-US" altLang="zh-CN" sz="1200" dirty="0"/>
-              <a:t>()</a:t>
-            </a:r>
-            <a:r>
-              <a:rPr lang="zh-TW" altLang="zh-CN" sz="1200" dirty="0"/>
-              <a:t>保存的名字拷贝到</a:t>
-            </a:r>
-            <a:r>
-              <a:rPr lang="en-US" altLang="zh-CN" sz="1200" dirty="0"/>
-              <a:t>name</a:t>
-            </a:r>
-            <a:r>
-              <a:rPr lang="zh-TW" altLang="zh-CN" sz="1200" dirty="0"/>
-              <a:t>指向的用户地址空间中，同时确保不会对</a:t>
-            </a:r>
-            <a:r>
-              <a:rPr lang="en-US" altLang="zh-CN" sz="1200" dirty="0"/>
-              <a:t>name</a:t>
-            </a:r>
-            <a:r>
-              <a:rPr lang="zh-TW" altLang="zh-CN" sz="1200" dirty="0"/>
-              <a:t>越界</a:t>
-            </a:r>
-            <a:r>
-              <a:rPr lang="zh-TW" altLang="zh-CN" sz="1200" dirty="0" smtClean="0"/>
-              <a:t>访（</a:t>
-            </a:r>
-            <a:r>
-              <a:rPr lang="en-US" altLang="zh-CN" sz="1200" dirty="0"/>
+              <a:t>（</a:t>
+            </a:r>
+            <a:r>
+              <a:rPr lang="en-US" altLang="zh-CN" sz="1200" dirty="0" smtClean="0"/>
               <a:t>name</a:t>
             </a:r>
             <a:r>
@@ -21544,16 +23719,60 @@
             </a:r>
             <a:r>
               <a:rPr lang="zh-CN" altLang="zh-CN" sz="1200" dirty="0"/>
-              <a:t>。</a:t>
-            </a:r>
-            <a:r>
-              <a:rPr lang="zh-CN" altLang="zh-CN" sz="1200" dirty="0"/>
-              <a:t> </a:t>
+              <a:t>。 </a:t>
             </a:r>
             <a:endParaRPr lang="zh-CN" altLang="en-US" dirty="0"/>
           </a:p>
         </p:txBody>
       </p:sp>
+      <p:pic>
+        <p:nvPicPr>
+          <p:cNvPr id="4" name="图片 3"/>
+          <p:cNvPicPr>
+            <a:picLocks noChangeAspect="1"/>
+          </p:cNvPicPr>
+          <p:nvPr/>
+        </p:nvPicPr>
+        <p:blipFill>
+          <a:blip r:embed="rId2"/>
+          <a:stretch>
+            <a:fillRect/>
+          </a:stretch>
+        </p:blipFill>
+        <p:spPr>
+          <a:xfrm>
+            <a:off x="298582" y="4140026"/>
+            <a:ext cx="2678175" cy="2044874"/>
+          </a:xfrm>
+          <a:prstGeom prst="rect">
+            <a:avLst/>
+          </a:prstGeom>
+        </p:spPr>
+      </p:pic>
+      <p:pic>
+        <p:nvPicPr>
+          <p:cNvPr id="5" name="图片 4"/>
+          <p:cNvPicPr>
+            <a:picLocks noChangeAspect="1"/>
+          </p:cNvPicPr>
+          <p:nvPr/>
+        </p:nvPicPr>
+        <p:blipFill>
+          <a:blip r:embed="rId3"/>
+          <a:stretch>
+            <a:fillRect/>
+          </a:stretch>
+        </p:blipFill>
+        <p:spPr>
+          <a:xfrm>
+            <a:off x="8526339" y="4352768"/>
+            <a:ext cx="3070473" cy="1591541"/>
+          </a:xfrm>
+          <a:prstGeom prst="rect">
+            <a:avLst/>
+          </a:prstGeom>
+        </p:spPr>
+      </p:pic>
     </p:spTree>
     <p:extLst>
       <p:ext uri="{BB962C8B-B14F-4D97-AF65-F5344CB8AC3E}">
@@ -22896,11 +25115,6 @@
               </a:rPr>
               <a:t>”体会过程</a:t>
             </a:r>
-            <a:endParaRPr lang="zh-CN" altLang="en-US" sz="2400" dirty="0">
-              <a:solidFill>
-                <a:srgbClr val="3563A8"/>
-              </a:solidFill>
-            </a:endParaRPr>
           </a:p>
         </p:txBody>
       </p:sp>
@@ -23674,11 +25888,6 @@
               </a:rPr>
               <a:t>”体会过程</a:t>
             </a:r>
-            <a:endParaRPr lang="zh-CN" altLang="en-US" sz="2400" dirty="0">
-              <a:solidFill>
-                <a:srgbClr val="3563A8"/>
-              </a:solidFill>
-            </a:endParaRPr>
           </a:p>
         </p:txBody>
       </p:sp>
@@ -24021,7 +26230,7 @@
         <p:spPr>
           <a:xfrm>
             <a:off x="200396" y="1003757"/>
-            <a:ext cx="4085482" cy="646331"/>
+            <a:ext cx="4085482" cy="830997"/>
           </a:xfrm>
           <a:prstGeom prst="rect">
             <a:avLst/>
@@ -24075,7 +26284,35 @@
             </a:r>
             <a:r>
               <a:rPr lang="zh-CN" altLang="zh-CN" sz="1200" dirty="0"/>
-              <a:t>数组最后加入</a:t>
+              <a:t>数</a:t>
+            </a:r>
+            <a:r>
+              <a:rPr lang="zh-CN" altLang="zh-CN" sz="1200" dirty="0" smtClean="0"/>
+              <a:t>组</a:t>
+            </a:r>
+            <a:r>
+              <a:rPr lang="zh-CN" altLang="en-US" sz="1200" dirty="0" smtClean="0"/>
+              <a:t>（</a:t>
+            </a:r>
+            <a:r>
+              <a:rPr lang="zh-CN" altLang="en-US" sz="1200" dirty="0" smtClean="0">
+                <a:solidFill>
+                  <a:srgbClr val="FF0000"/>
+                </a:solidFill>
+              </a:rPr>
+              <a:t>系统调用处理程序指针数组</a:t>
+            </a:r>
+            <a:r>
+              <a:rPr lang="zh-CN" altLang="en-US" sz="1200" dirty="0" smtClean="0"/>
+              <a:t>）</a:t>
+            </a:r>
+            <a:r>
+              <a:rPr lang="zh-CN" altLang="zh-CN" sz="1200" dirty="0" smtClean="0"/>
+              <a:t>最</a:t>
+            </a:r>
+            <a:r>
+              <a:rPr lang="zh-CN" altLang="zh-CN" sz="1200" dirty="0"/>
+              <a:t>后加入</a:t>
             </a:r>
             <a:r>
               <a:rPr lang="en-US" altLang="zh-CN" sz="1200" dirty="0"/>
@@ -24083,7 +26320,35 @@
             </a:r>
             <a:r>
               <a:rPr lang="zh-CN" altLang="zh-CN" sz="1200" dirty="0"/>
-              <a:t>iam及sys_whoami，并仿照上面给出其他系统调用格式加上</a:t>
+              <a:t>iam及sys_whoam</a:t>
+            </a:r>
+            <a:r>
+              <a:rPr lang="zh-CN" altLang="zh-CN" sz="1200" dirty="0" smtClean="0"/>
+              <a:t>i</a:t>
+            </a:r>
+            <a:r>
+              <a:rPr lang="zh-CN" altLang="en-US" sz="1200" dirty="0" smtClean="0"/>
+              <a:t>（</a:t>
+            </a:r>
+            <a:r>
+              <a:rPr lang="zh-CN" altLang="en-US" sz="1200" dirty="0" smtClean="0">
+                <a:solidFill>
+                  <a:srgbClr val="FF0000"/>
+                </a:solidFill>
+              </a:rPr>
+              <a:t>系统处理函数</a:t>
+            </a:r>
+            <a:r>
+              <a:rPr lang="zh-CN" altLang="en-US" sz="1200" dirty="0" smtClean="0"/>
+              <a:t>）</a:t>
+            </a:r>
+            <a:r>
+              <a:rPr lang="zh-CN" altLang="zh-CN" sz="1200" dirty="0" smtClean="0"/>
+              <a:t>，</a:t>
+            </a:r>
+            <a:r>
+              <a:rPr lang="zh-CN" altLang="zh-CN" sz="1200" dirty="0"/>
+              <a:t>并仿照上面给出其他系统调用格式加上</a:t>
             </a:r>
             <a:r>
               <a:rPr lang="de-DE" altLang="zh-CN" sz="1200" dirty="0"/>
@@ -24107,11 +26372,7 @@
             </a:r>
             <a:r>
               <a:rPr lang="zh-CN" altLang="zh-CN" sz="1200" dirty="0"/>
-              <a:t>及extern int sys_whoami()</a:t>
-            </a:r>
-            <a:r>
-              <a:rPr lang="zh-CN" altLang="zh-CN" sz="1200" dirty="0"/>
-              <a:t> </a:t>
+              <a:t>及extern int sys_whoami() </a:t>
             </a:r>
             <a:endParaRPr lang="zh-CN" altLang="zh-CN" sz="1200" dirty="0">
               <a:latin typeface="Arial" charset="0"/>
@@ -24150,11 +26411,6 @@
               </a:rPr>
               <a:t>添加自己的系统调用</a:t>
             </a:r>
-            <a:endParaRPr lang="zh-CN" altLang="en-US" sz="2400" dirty="0">
-              <a:solidFill>
-                <a:srgbClr val="3563A8"/>
-              </a:solidFill>
-            </a:endParaRPr>
           </a:p>
         </p:txBody>
       </p:sp>
@@ -24632,8 +26888,8 @@
         </p:nvCxnSpPr>
         <p:spPr>
           <a:xfrm flipV="1">
-            <a:off x="4285878" y="1326922"/>
-            <a:ext cx="1889755" cy="1"/>
+            <a:off x="4285878" y="1326923"/>
+            <a:ext cx="1889755" cy="92333"/>
           </a:xfrm>
           <a:prstGeom prst="straightConnector1">
             <a:avLst/>
@@ -24735,8 +26991,8 @@
         </p:nvSpPr>
         <p:spPr>
           <a:xfrm>
-            <a:off x="1243013" y="2146126"/>
-            <a:ext cx="2635830" cy="276999"/>
+            <a:off x="901226" y="2146126"/>
+            <a:ext cx="2977617" cy="276999"/>
           </a:xfrm>
           <a:prstGeom prst="rect">
             <a:avLst/>
@@ -24758,9 +27014,33 @@
             </a:r>
             <a:r>
               <a:rPr lang="zh-CN" altLang="en-US" sz="1200" dirty="0" smtClean="0"/>
-              <a:t>下添加宏定义</a:t>
-            </a:r>
-            <a:endParaRPr lang="en-US" altLang="zh-CN" sz="1200" dirty="0"/>
+              <a:t>下添</a:t>
+            </a:r>
+            <a:r>
+              <a:rPr lang="zh-CN" altLang="en-US" sz="1200" dirty="0" smtClean="0"/>
+              <a:t>加</a:t>
+            </a:r>
+            <a:r>
+              <a:rPr lang="zh-CN" altLang="en-US" sz="1200" dirty="0">
+                <a:solidFill>
+                  <a:srgbClr val="FF0000"/>
+                </a:solidFill>
+              </a:rPr>
+              <a:t>系</a:t>
+            </a:r>
+            <a:r>
+              <a:rPr lang="zh-CN" altLang="en-US" sz="1200" dirty="0" smtClean="0">
+                <a:solidFill>
+                  <a:srgbClr val="FF0000"/>
+                </a:solidFill>
+              </a:rPr>
+              <a:t>统调用功能号</a:t>
+            </a:r>
+            <a:endParaRPr lang="en-US" altLang="zh-CN" sz="1200" dirty="0">
+              <a:solidFill>
+                <a:srgbClr val="FF0000"/>
+              </a:solidFill>
+            </a:endParaRPr>
           </a:p>
         </p:txBody>
       </p:sp>
@@ -24890,11 +27170,7 @@
           <a:p>
             <a:r>
               <a:rPr lang="zh-CN" altLang="zh-CN" sz="1200" dirty="0"/>
-              <a:t>修改</a:t>
-            </a:r>
-            <a:r>
-              <a:rPr lang="zh-CN" altLang="zh-CN" sz="1200" dirty="0"/>
-              <a:t> </a:t>
+              <a:t>修改 </a:t>
             </a:r>
             <a:r>
               <a:rPr lang="en-US" altLang="zh-CN" sz="1200" dirty="0" smtClean="0"/>
@@ -24906,11 +27182,7 @@
             </a:r>
             <a:r>
               <a:rPr lang="zh-CN" altLang="en-US" sz="1200" dirty="0" smtClean="0"/>
-              <a:t>，</a:t>
-            </a:r>
-            <a:r>
-              <a:rPr lang="zh-CN" altLang="en-US" sz="1200" dirty="0" smtClean="0"/>
-              <a:t>增加两个系统调用值</a:t>
+              <a:t>，增加两个系统调用值</a:t>
             </a:r>
             <a:r>
               <a:rPr lang="en-US" altLang="zh-CN" sz="1200" dirty="0" smtClean="0"/>
@@ -25050,15 +27322,7 @@
                   <a:srgbClr val="3563A8"/>
                 </a:solidFill>
               </a:rPr>
-              <a:t>编写whoami.c，iam.c及who.c文件</a:t>
-            </a:r>
-            <a:r>
-              <a:rPr lang="zh-CN" altLang="zh-CN" sz="1200" dirty="0">
-                <a:solidFill>
-                  <a:srgbClr val="3563A8"/>
-                </a:solidFill>
-              </a:rPr>
-              <a:t> </a:t>
+              <a:t>编写whoami.c，iam.c及who.c文件 </a:t>
             </a:r>
             <a:r>
               <a:rPr lang="zh-CN" altLang="en-US" sz="1200" dirty="0" smtClean="0">
@@ -25066,15 +27330,7 @@
                   <a:srgbClr val="3563A8"/>
                 </a:solidFill>
               </a:rPr>
-              <a:t>，</a:t>
-            </a:r>
-            <a:r>
-              <a:rPr lang="zh-CN" altLang="en-US" sz="1200" dirty="0" smtClean="0">
-                <a:solidFill>
-                  <a:srgbClr val="3563A8"/>
-                </a:solidFill>
-              </a:rPr>
-              <a:t>见报告附录，</a:t>
+              <a:t>，见报告附录，</a:t>
             </a:r>
             <a:r>
               <a:rPr lang="en-US" altLang="zh-CN" sz="1200" dirty="0" err="1"/>
@@ -25085,13 +27341,10 @@
               <a:t> linux-0.11/kernel/ </a:t>
             </a:r>
             <a:r>
-              <a:rPr lang="en-US" altLang="zh-CN" sz="1200" dirty="0" err="1"/>
+              <a:rPr lang="en-US" altLang="zh-CN" sz="1200" dirty="0" err="1" smtClean="0"/>
               <a:t>Makefile</a:t>
             </a:r>
-            <a:r>
-              <a:rPr lang="en-US" altLang="zh-CN" sz="1200" dirty="0"/>
-              <a:t> </a:t>
-            </a:r>
+            <a:endParaRPr lang="en-US" altLang="zh-CN" sz="1200" dirty="0"/>
           </a:p>
           <a:p>
             <a:endParaRPr lang="en-US" altLang="zh-CN" sz="1200" dirty="0">
@@ -25290,11 +27543,6 @@
               </a:rPr>
               <a:t>.</a:t>
             </a:r>
-            <a:endParaRPr lang="en-US" altLang="zh-CN" sz="1200" dirty="0">
-              <a:solidFill>
-                <a:srgbClr val="3563A8"/>
-              </a:solidFill>
-            </a:endParaRPr>
           </a:p>
         </p:txBody>
       </p:sp>
@@ -25349,11 +27597,6 @@
               </a:rPr>
               <a:t>.</a:t>
             </a:r>
-            <a:endParaRPr lang="en-US" altLang="zh-CN" sz="1200" dirty="0">
-              <a:solidFill>
-                <a:srgbClr val="3563A8"/>
-              </a:solidFill>
-            </a:endParaRPr>
           </a:p>
         </p:txBody>
       </p:sp>
@@ -25438,8 +27681,8 @@
         </p:nvSpPr>
         <p:spPr>
           <a:xfrm>
-            <a:off x="1374784" y="2370922"/>
-            <a:ext cx="1736705" cy="461665"/>
+            <a:off x="943736" y="2370922"/>
+            <a:ext cx="2598801" cy="461665"/>
           </a:xfrm>
           <a:prstGeom prst="rect">
             <a:avLst/>
@@ -25454,7 +27697,7 @@
           <a:p>
             <a:pPr algn="ctr"/>
             <a:r>
-              <a:rPr lang="zh-CN" altLang="en-US" sz="2400" smtClean="0">
+              <a:rPr lang="zh-CN" altLang="en-US" sz="2400" dirty="0" smtClean="0">
                 <a:solidFill>
                   <a:srgbClr val="3563A8"/>
                 </a:solidFill>
@@ -25462,22 +27705,38 @@
               <a:t>虚拟</a:t>
             </a:r>
             <a:r>
-              <a:rPr lang="zh-CN" altLang="en-US" sz="2400">
+              <a:rPr lang="zh-CN" altLang="en-US" sz="2400" dirty="0">
                 <a:solidFill>
                   <a:srgbClr val="3563A8"/>
                 </a:solidFill>
               </a:rPr>
-              <a:t>机操</a:t>
-            </a:r>
-            <a:r>
-              <a:rPr lang="zh-CN" altLang="en-US" sz="2400" smtClean="0">
+              <a:t>机</a:t>
+            </a:r>
+            <a:r>
+              <a:rPr lang="zh-CN" altLang="en-US" sz="2400" dirty="0" smtClean="0">
                 <a:solidFill>
                   <a:srgbClr val="3563A8"/>
                 </a:solidFill>
               </a:rPr>
-              <a:t>作</a:t>
-            </a:r>
-            <a:endParaRPr lang="zh-CN" altLang="en-US" sz="2400">
+              <a:t>操作</a:t>
+            </a:r>
+            <a:r>
+              <a:rPr lang="en-US" altLang="zh-CN" sz="2400" dirty="0" smtClean="0">
+                <a:solidFill>
+                  <a:srgbClr val="3563A8"/>
+                </a:solidFill>
+              </a:rPr>
+              <a:t>&amp;</a:t>
+            </a:r>
+            <a:r>
+              <a:rPr lang="zh-CN" altLang="en-US" sz="2400" dirty="0" smtClean="0">
+                <a:solidFill>
+                  <a:srgbClr val="3563A8"/>
+                </a:solidFill>
+              </a:rPr>
+              <a:t>测试</a:t>
+            </a:r>
+            <a:endParaRPr lang="zh-CN" altLang="en-US" sz="2400" dirty="0">
               <a:solidFill>
                 <a:srgbClr val="3563A8"/>
               </a:solidFill>
@@ -26004,7 +28263,7 @@
         <p:spPr>
           <a:xfrm>
             <a:off x="1192342" y="2832587"/>
-            <a:ext cx="2171705" cy="1323439"/>
+            <a:ext cx="2171705" cy="338554"/>
           </a:xfrm>
           <a:prstGeom prst="rect">
             <a:avLst/>
@@ -26017,52 +28276,16 @@
           <a:lstStyle/>
           <a:p>
             <a:r>
-              <a:rPr lang="zh-CN" altLang="zh-CN" sz="1600" dirty="0"/>
-              <a:t>将linux-0.11挂载，并将上述</a:t>
-            </a:r>
-            <a:r>
-              <a:rPr lang="en-US" altLang="zh-CN" sz="1600" dirty="0" err="1"/>
-              <a:t>whoami.c</a:t>
-            </a:r>
-            <a:r>
-              <a:rPr lang="zh-TW" altLang="zh-CN" sz="1600" dirty="0"/>
-              <a:t>及</a:t>
-            </a:r>
-            <a:r>
-              <a:rPr lang="it-IT" altLang="zh-CN" sz="1600" dirty="0" err="1"/>
-              <a:t>iam.c</a:t>
-            </a:r>
-            <a:r>
-              <a:rPr lang="zh-CN" altLang="zh-CN" sz="1600" dirty="0"/>
-              <a:t>文件放到</a:t>
-            </a:r>
-            <a:r>
-              <a:rPr lang="en-US" altLang="zh-CN" sz="1600" dirty="0" err="1"/>
-              <a:t>hdc</a:t>
-            </a:r>
-            <a:r>
-              <a:rPr lang="en-US" altLang="zh-CN" sz="1600" dirty="0"/>
-              <a:t>/</a:t>
-            </a:r>
-            <a:r>
-              <a:rPr lang="en-US" altLang="zh-CN" sz="1600" dirty="0" err="1"/>
-              <a:t>usr</a:t>
-            </a:r>
-            <a:r>
-              <a:rPr lang="en-US" altLang="zh-CN" sz="1600" dirty="0"/>
-              <a:t>/root</a:t>
-            </a:r>
-            <a:r>
-              <a:rPr lang="zh-CN" altLang="zh-CN" sz="1600" dirty="0"/>
-              <a:t>目录下，</a:t>
-            </a:r>
-            <a:r>
-              <a:rPr lang="zh-CN" altLang="zh-CN" sz="1600" dirty="0"/>
-              <a:t> </a:t>
-            </a:r>
-            <a:r>
               <a:rPr lang="zh-CN" altLang="en-US" sz="1600" dirty="0" smtClean="0"/>
-              <a:t>运行，编译，执行</a:t>
+              <a:t>编写两个</a:t>
+            </a:r>
+            <a:r>
+              <a:rPr lang="en-US" altLang="zh-CN" sz="1600" dirty="0" smtClean="0"/>
+              <a:t>c</a:t>
+            </a:r>
+            <a:r>
+              <a:rPr lang="zh-CN" altLang="en-US" sz="1600" dirty="0" smtClean="0"/>
+              <a:t>测试文件</a:t>
             </a:r>
             <a:endParaRPr lang="en-US" altLang="zh-CN" sz="1600" dirty="0">
               <a:solidFill>
@@ -26074,31 +28297,50 @@
       </p:sp>
       <p:pic>
         <p:nvPicPr>
-          <p:cNvPr id="47" name="officeArt object"/>
-          <p:cNvPicPr/>
+          <p:cNvPr id="2" name="图片 1"/>
+          <p:cNvPicPr>
+            <a:picLocks noChangeAspect="1"/>
+          </p:cNvPicPr>
           <p:nvPr/>
         </p:nvPicPr>
         <p:blipFill>
-          <a:blip r:embed="rId3">
-            <a:extLst/>
-          </a:blip>
+          <a:blip r:embed="rId3"/>
           <a:stretch>
             <a:fillRect/>
           </a:stretch>
         </p:blipFill>
         <p:spPr>
           <a:xfrm>
-            <a:off x="4924365" y="1571629"/>
-            <a:ext cx="5934062" cy="3656288"/>
+            <a:off x="4935476" y="1143493"/>
+            <a:ext cx="4064000" cy="2387600"/>
           </a:xfrm>
           <a:prstGeom prst="rect">
             <a:avLst/>
           </a:prstGeom>
-          <a:ln w="12700" cap="flat">
-            <a:noFill/>
-            <a:miter lim="400000"/>
-          </a:ln>
-          <a:effectLst/>
+        </p:spPr>
+      </p:pic>
+      <p:pic>
+        <p:nvPicPr>
+          <p:cNvPr id="3" name="图片 2"/>
+          <p:cNvPicPr>
+            <a:picLocks noChangeAspect="1"/>
+          </p:cNvPicPr>
+          <p:nvPr/>
+        </p:nvPicPr>
+        <p:blipFill>
+          <a:blip r:embed="rId4"/>
+          <a:stretch>
+            <a:fillRect/>
+          </a:stretch>
+        </p:blipFill>
+        <p:spPr>
+          <a:xfrm>
+            <a:off x="7181128" y="3196619"/>
+            <a:ext cx="3663009" cy="2388217"/>
+          </a:xfrm>
+          <a:prstGeom prst="rect">
+            <a:avLst/>
+          </a:prstGeom>
         </p:spPr>
       </p:pic>
     </p:spTree>
